--- a/slide/Selenium-Grid.pptx
+++ b/slide/Selenium-Grid.pptx
@@ -7963,37 +7963,7 @@
                 <a:latin typeface="TH SarabunPSK" panose="020B0500040200020003" pitchFamily="34" charset="-34"/>
                 <a:cs typeface="TH SarabunPSK" panose="020B0500040200020003" pitchFamily="34" charset="-34"/>
               </a:rPr>
-              <a:t>ออกครับ </a:t>
-            </a:r>
-            <a:r>
-              <a:rPr lang="th-TH" sz="2000" cap="none" dirty="0" smtClean="0">
-                <a:solidFill>
-                  <a:schemeClr val="tx1"/>
-                </a:solidFill>
-                <a:latin typeface="TH SarabunPSK" panose="020B0500040200020003" pitchFamily="34" charset="-34"/>
-                <a:cs typeface="TH SarabunPSK" panose="020B0500040200020003" pitchFamily="34" charset="-34"/>
-              </a:rPr>
-              <a:t>หรือค</a:t>
-            </a:r>
-            <a:r>
-              <a:rPr lang="th-TH" sz="2000" cap="none" dirty="0" smtClean="0">
-                <a:solidFill>
-                  <a:schemeClr val="tx1"/>
-                </a:solidFill>
-                <a:latin typeface="TH SarabunPSK" panose="020B0500040200020003" pitchFamily="34" charset="-34"/>
-                <a:cs typeface="TH SarabunPSK" panose="020B0500040200020003" pitchFamily="34" charset="-34"/>
-              </a:rPr>
-              <a:t>รอบบรรทัดนั้นแล้ว</a:t>
-            </a:r>
-            <a:r>
-              <a:rPr lang="th-TH" sz="2000" cap="none" dirty="0" smtClean="0">
-                <a:solidFill>
-                  <a:schemeClr val="tx1"/>
-                </a:solidFill>
-                <a:latin typeface="TH SarabunPSK" panose="020B0500040200020003" pitchFamily="34" charset="-34"/>
-                <a:cs typeface="TH SarabunPSK" panose="020B0500040200020003" pitchFamily="34" charset="-34"/>
-              </a:rPr>
-              <a:t/>
+              <a:t>ออกครับ หรือครอบบรรทัดนั้นแล้ว</a:t>
             </a:r>
             <a:br>
               <a:rPr lang="th-TH" sz="2000" cap="none" dirty="0" smtClean="0">
@@ -9382,7 +9352,17 @@
                 <a:latin typeface="TH SarabunPSK" panose="020B0500040200020003" pitchFamily="34" charset="-34"/>
                 <a:cs typeface="TH SarabunPSK" panose="020B0500040200020003" pitchFamily="34" charset="-34"/>
               </a:rPr>
-              <a:t>จากนั้น</a:t>
+              <a:t>จากนั้นไป </a:t>
+            </a:r>
+            <a:r>
+              <a:rPr lang="en-US" sz="2000" cap="none" dirty="0" smtClean="0">
+                <a:solidFill>
+                  <a:schemeClr val="tx1"/>
+                </a:solidFill>
+                <a:latin typeface="TH SarabunPSK" panose="020B0500040200020003" pitchFamily="34" charset="-34"/>
+                <a:cs typeface="TH SarabunPSK" panose="020B0500040200020003" pitchFamily="34" charset="-34"/>
+              </a:rPr>
+              <a:t>Refresh link </a:t>
             </a:r>
             <a:r>
               <a:rPr lang="th-TH" sz="2000" cap="none" dirty="0" smtClean="0">
@@ -9392,37 +9372,7 @@
                 <a:latin typeface="TH SarabunPSK" panose="020B0500040200020003" pitchFamily="34" charset="-34"/>
                 <a:cs typeface="TH SarabunPSK" panose="020B0500040200020003" pitchFamily="34" charset="-34"/>
               </a:rPr>
-              <a:t>ไป </a:t>
-            </a:r>
-            <a:r>
-              <a:rPr lang="en-US" sz="2000" cap="none" dirty="0" smtClean="0">
-                <a:solidFill>
-                  <a:schemeClr val="tx1"/>
-                </a:solidFill>
-                <a:latin typeface="TH SarabunPSK" panose="020B0500040200020003" pitchFamily="34" charset="-34"/>
-                <a:cs typeface="TH SarabunPSK" panose="020B0500040200020003" pitchFamily="34" charset="-34"/>
-              </a:rPr>
-              <a:t>Refresh link </a:t>
-            </a:r>
-            <a:r>
-              <a:rPr lang="th-TH" sz="2000" cap="none" dirty="0" smtClean="0">
-                <a:solidFill>
-                  <a:schemeClr val="tx1"/>
-                </a:solidFill>
-                <a:latin typeface="TH SarabunPSK" panose="020B0500040200020003" pitchFamily="34" charset="-34"/>
-                <a:cs typeface="TH SarabunPSK" panose="020B0500040200020003" pitchFamily="34" charset="-34"/>
-              </a:rPr>
-              <a:t>นี้</a:t>
-            </a:r>
-            <a:r>
-              <a:rPr lang="th-TH" sz="2000" cap="none" dirty="0" smtClean="0">
-                <a:solidFill>
-                  <a:schemeClr val="tx1"/>
-                </a:solidFill>
-                <a:latin typeface="TH SarabunPSK" panose="020B0500040200020003" pitchFamily="34" charset="-34"/>
-                <a:cs typeface="TH SarabunPSK" panose="020B0500040200020003" pitchFamily="34" charset="-34"/>
-              </a:rPr>
-              <a:t>ดูผลลัพธ์เลยครับ</a:t>
+              <a:t>นี้ดูผลลัพธ์เลยครับ</a:t>
             </a:r>
             <a:r>
               <a:rPr lang="th-TH" sz="2000" b="1" cap="none" dirty="0" smtClean="0">
@@ -9855,45 +9805,31 @@
                 <a:latin typeface="TH SarabunPSK" panose="020B0500040200020003" pitchFamily="34" charset="-34"/>
                 <a:cs typeface="TH SarabunPSK" panose="020B0500040200020003" pitchFamily="34" charset="-34"/>
               </a:rPr>
-              <a:t>คำสั่งเดิมแล้ว</a:t>
+              <a:t>คำสั่งเดิมแล้วไป</a:t>
+            </a:r>
+            <a:r>
+              <a:rPr lang="en-US" sz="2000" dirty="0" smtClean="0">
+                <a:latin typeface="TH SarabunPSK" panose="020B0500040200020003" pitchFamily="34" charset="-34"/>
+                <a:cs typeface="TH SarabunPSK" panose="020B0500040200020003" pitchFamily="34" charset="-34"/>
+              </a:rPr>
+              <a:t> </a:t>
+            </a:r>
+            <a:r>
+              <a:rPr lang="en-US" sz="2000" cap="none" dirty="0">
+                <a:solidFill>
+                  <a:schemeClr val="tx1"/>
+                </a:solidFill>
+                <a:latin typeface="TH SarabunPSK" panose="020B0500040200020003" pitchFamily="34" charset="-34"/>
+                <a:cs typeface="TH SarabunPSK" panose="020B0500040200020003" pitchFamily="34" charset="-34"/>
+              </a:rPr>
+              <a:t>Refresh link </a:t>
             </a:r>
             <a:r>
               <a:rPr lang="th-TH" sz="2000" dirty="0" smtClean="0">
                 <a:latin typeface="TH SarabunPSK" panose="020B0500040200020003" pitchFamily="34" charset="-34"/>
                 <a:cs typeface="TH SarabunPSK" panose="020B0500040200020003" pitchFamily="34" charset="-34"/>
               </a:rPr>
-              <a:t>ไป</a:t>
-            </a:r>
-            <a:r>
-              <a:rPr lang="en-US" sz="2000" dirty="0" smtClean="0">
-                <a:latin typeface="TH SarabunPSK" panose="020B0500040200020003" pitchFamily="34" charset="-34"/>
-                <a:cs typeface="TH SarabunPSK" panose="020B0500040200020003" pitchFamily="34" charset="-34"/>
-              </a:rPr>
-              <a:t> </a:t>
-            </a:r>
-            <a:r>
-              <a:rPr lang="en-US" sz="2000" cap="none" dirty="0">
-                <a:solidFill>
-                  <a:schemeClr val="tx1"/>
-                </a:solidFill>
-                <a:latin typeface="TH SarabunPSK" panose="020B0500040200020003" pitchFamily="34" charset="-34"/>
-                <a:cs typeface="TH SarabunPSK" panose="020B0500040200020003" pitchFamily="34" charset="-34"/>
-              </a:rPr>
-              <a:t>Refresh link </a:t>
-            </a:r>
-            <a:r>
-              <a:rPr lang="th-TH" sz="2000" dirty="0" smtClean="0">
-                <a:latin typeface="TH SarabunPSK" panose="020B0500040200020003" pitchFamily="34" charset="-34"/>
-                <a:cs typeface="TH SarabunPSK" panose="020B0500040200020003" pitchFamily="34" charset="-34"/>
-              </a:rPr>
-              <a:t>ดู</a:t>
-            </a:r>
-            <a:r>
-              <a:rPr lang="th-TH" sz="2000" dirty="0" smtClean="0">
-                <a:latin typeface="TH SarabunPSK" panose="020B0500040200020003" pitchFamily="34" charset="-34"/>
-                <a:cs typeface="TH SarabunPSK" panose="020B0500040200020003" pitchFamily="34" charset="-34"/>
-              </a:rPr>
-              <a:t>นะครับ </a:t>
+              <a:t>ดูนะครับ </a:t>
             </a:r>
             <a:r>
               <a:rPr lang="en-US" sz="2000" b="1" cap="none" dirty="0">
@@ -10440,17 +10376,7 @@
                 <a:latin typeface="TH SarabunPSK" panose="020B0500040200020003" pitchFamily="34" charset="-34"/>
                 <a:cs typeface="TH SarabunPSK" panose="020B0500040200020003" pitchFamily="34" charset="-34"/>
               </a:rPr>
-              <a:t>ง่ายๆคือคำนึงถึงความแรงของเครื่องที่รันด้วย</a:t>
-            </a:r>
-            <a:r>
-              <a:rPr lang="th-TH" sz="2400" dirty="0" smtClean="0">
-                <a:solidFill>
-                  <a:srgbClr val="C00000"/>
-                </a:solidFill>
-                <a:latin typeface="TH SarabunPSK" panose="020B0500040200020003" pitchFamily="34" charset="-34"/>
-                <a:cs typeface="TH SarabunPSK" panose="020B0500040200020003" pitchFamily="34" charset="-34"/>
-              </a:rPr>
-              <a:t>นะจ๊ะ</a:t>
+              <a:t>ง่ายๆคือคำนึงถึงความแรงของเครื่องที่รันด้วยนะจ๊ะ</a:t>
             </a:r>
             <a:r>
               <a:rPr lang="th-TH" sz="2400" dirty="0">
@@ -10757,14 +10683,7 @@
                 <a:latin typeface="TH SarabunPSK" panose="020B0500040200020003" pitchFamily="34" charset="-34"/>
                 <a:cs typeface="TH SarabunPSK" panose="020B0500040200020003" pitchFamily="34" charset="-34"/>
               </a:rPr>
-              <a:t>แล้ว </a:t>
-            </a:r>
-            <a:r>
-              <a:rPr lang="th-TH" sz="2000" cap="none" smtClean="0">
-                <a:latin typeface="TH SarabunPSK" panose="020B0500040200020003" pitchFamily="34" charset="-34"/>
-                <a:cs typeface="TH SarabunPSK" panose="020B0500040200020003" pitchFamily="34" charset="-34"/>
-              </a:rPr>
-              <a:t>เราจะ</a:t>
+              <a:t>แล้ว เราจะ</a:t>
             </a:r>
             <a:r>
               <a:rPr lang="th-TH" sz="2000" cap="none" dirty="0" smtClean="0">
@@ -10868,35 +10787,7 @@
                 <a:latin typeface="TH SarabunPSK" panose="020B0500040200020003" pitchFamily="34" charset="-34"/>
                 <a:cs typeface="TH SarabunPSK" panose="020B0500040200020003" pitchFamily="34" charset="-34"/>
               </a:rPr>
-              <a:t>เข้าไปเลยครับ หลังจากเข้าไปเราจะได้เซิฟเวอร์จำลอง </a:t>
-            </a:r>
-            <a:r>
-              <a:rPr lang="th-TH" sz="2000" cap="none" dirty="0" smtClean="0">
-                <a:latin typeface="TH SarabunPSK" panose="020B0500040200020003" pitchFamily="34" charset="-34"/>
-                <a:cs typeface="TH SarabunPSK" panose="020B0500040200020003" pitchFamily="34" charset="-34"/>
-              </a:rPr>
-              <a:t>โดยเว็บนี้จะ</a:t>
-            </a:r>
-            <a:r>
-              <a:rPr lang="th-TH" sz="2000" cap="none" dirty="0" smtClean="0">
-                <a:latin typeface="TH SarabunPSK" panose="020B0500040200020003" pitchFamily="34" charset="-34"/>
-                <a:cs typeface="TH SarabunPSK" panose="020B0500040200020003" pitchFamily="34" charset="-34"/>
-              </a:rPr>
-              <a:t>ให้เรา</a:t>
-            </a:r>
-            <a:r>
-              <a:rPr lang="th-TH" sz="2000" cap="none" dirty="0" smtClean="0">
-                <a:latin typeface="TH SarabunPSK" panose="020B0500040200020003" pitchFamily="34" charset="-34"/>
-                <a:cs typeface="TH SarabunPSK" panose="020B0500040200020003" pitchFamily="34" charset="-34"/>
-              </a:rPr>
-              <a:t>ใช้บริการฟรี </a:t>
-            </a:r>
-            <a:r>
-              <a:rPr lang="th-TH" sz="2000" cap="none" dirty="0" smtClean="0">
-                <a:latin typeface="TH SarabunPSK" panose="020B0500040200020003" pitchFamily="34" charset="-34"/>
-                <a:cs typeface="TH SarabunPSK" panose="020B0500040200020003" pitchFamily="34" charset="-34"/>
-              </a:rPr>
-              <a:t>4 ชม. ครับ</a:t>
+              <a:t>เข้าไปเลยครับ หลังจากเข้าไปเราจะได้เซิฟเวอร์จำลอง โดยเว็บนี้จะให้เราใช้บริการฟรี 4 ชม. ครับ</a:t>
             </a:r>
             <a:r>
               <a:rPr lang="en-US" sz="2000" cap="none" dirty="0" smtClean="0">
@@ -13581,37 +13472,107 @@
                 <a:latin typeface="TH SarabunPSK" panose="020B0500040200020003" pitchFamily="34" charset="-34"/>
                 <a:cs typeface="TH SarabunPSK" panose="020B0500040200020003" pitchFamily="34" charset="-34"/>
               </a:rPr>
-              <a:t>                   หรือลิ้งนี้เลยครับ </a:t>
-            </a:r>
-            <a:r>
-              <a:rPr lang="en-US" sz="2400" b="1" cap="none" dirty="0">
-                <a:latin typeface="TH SarabunPSK" panose="020B0500040200020003" pitchFamily="34" charset="-34"/>
-                <a:cs typeface="TH SarabunPSK" panose="020B0500040200020003" pitchFamily="34" charset="-34"/>
-                <a:hlinkClick r:id="rId3"/>
-              </a:rPr>
-              <a:t>https://</a:t>
+              <a:t>          </a:t>
+            </a:r>
+            <a:r>
+              <a:rPr lang="th-TH" sz="2400" b="1" cap="none" dirty="0" smtClean="0">
+                <a:latin typeface="TH SarabunPSK" panose="020B0500040200020003" pitchFamily="34" charset="-34"/>
+                <a:cs typeface="TH SarabunPSK" panose="020B0500040200020003" pitchFamily="34" charset="-34"/>
+              </a:rPr>
+              <a:t>             </a:t>
+            </a:r>
+            <a:r>
+              <a:rPr lang="th-TH" sz="2400" b="1" cap="none" dirty="0" smtClean="0">
+                <a:latin typeface="TH SarabunPSK" panose="020B0500040200020003" pitchFamily="34" charset="-34"/>
+                <a:cs typeface="TH SarabunPSK" panose="020B0500040200020003" pitchFamily="34" charset="-34"/>
+              </a:rPr>
+              <a:t>สามารถเข้าไป </a:t>
             </a:r>
             <a:r>
               <a:rPr lang="en-US" sz="2400" b="1" cap="none" dirty="0" smtClean="0">
                 <a:latin typeface="TH SarabunPSK" panose="020B0500040200020003" pitchFamily="34" charset="-34"/>
                 <a:cs typeface="TH SarabunPSK" panose="020B0500040200020003" pitchFamily="34" charset="-34"/>
-                <a:hlinkClick r:id="rId3"/>
-              </a:rPr>
-              <a:t>github.com/up1/course-selenium-grid</a:t>
-            </a:r>
-            <a:r>
-              <a:rPr lang="th-TH" sz="2000" b="1" cap="none" dirty="0" smtClean="0">
-                <a:latin typeface="TH SarabunPSK" panose="020B0500040200020003" pitchFamily="34" charset="-34"/>
-                <a:cs typeface="TH SarabunPSK" panose="020B0500040200020003" pitchFamily="34" charset="-34"/>
-              </a:rPr>
-              <a:t/>
-            </a:r>
-            <a:br>
-              <a:rPr lang="th-TH" sz="2000" b="1" cap="none" dirty="0" smtClean="0">
-                <a:latin typeface="TH SarabunPSK" panose="020B0500040200020003" pitchFamily="34" charset="-34"/>
-                <a:cs typeface="TH SarabunPSK" panose="020B0500040200020003" pitchFamily="34" charset="-34"/>
-              </a:rPr>
-            </a:br>
+              </a:rPr>
+              <a:t>Clone file code </a:t>
+            </a:r>
+            <a:r>
+              <a:rPr lang="th-TH" sz="2400" b="1" cap="none" dirty="0" smtClean="0">
+                <a:latin typeface="TH SarabunPSK" panose="020B0500040200020003" pitchFamily="34" charset="-34"/>
+                <a:cs typeface="TH SarabunPSK" panose="020B0500040200020003" pitchFamily="34" charset="-34"/>
+              </a:rPr>
+              <a:t>ใน </a:t>
+            </a:r>
+            <a:r>
+              <a:rPr lang="en-US" sz="2400" b="1" cap="none" dirty="0" err="1" smtClean="0">
+                <a:latin typeface="TH SarabunPSK" panose="020B0500040200020003" pitchFamily="34" charset="-34"/>
+                <a:cs typeface="TH SarabunPSK" panose="020B0500040200020003" pitchFamily="34" charset="-34"/>
+              </a:rPr>
+              <a:t>git</a:t>
+            </a:r>
+            <a:r>
+              <a:rPr lang="en-US" sz="2400" b="1" cap="none" dirty="0" smtClean="0">
+                <a:latin typeface="TH SarabunPSK" panose="020B0500040200020003" pitchFamily="34" charset="-34"/>
+                <a:cs typeface="TH SarabunPSK" panose="020B0500040200020003" pitchFamily="34" charset="-34"/>
+              </a:rPr>
+              <a:t> </a:t>
+            </a:r>
+            <a:r>
+              <a:rPr lang="th-TH" sz="2400" b="1" cap="none" dirty="0" smtClean="0">
+                <a:latin typeface="TH SarabunPSK" panose="020B0500040200020003" pitchFamily="34" charset="-34"/>
+                <a:cs typeface="TH SarabunPSK" panose="020B0500040200020003" pitchFamily="34" charset="-34"/>
+              </a:rPr>
+              <a:t>นี้ได้เลยครับ</a:t>
+            </a:r>
+            <a:br>
+              <a:rPr lang="th-TH" sz="2400" b="1" cap="none" dirty="0" smtClean="0">
+                <a:latin typeface="TH SarabunPSK" panose="020B0500040200020003" pitchFamily="34" charset="-34"/>
+                <a:cs typeface="TH SarabunPSK" panose="020B0500040200020003" pitchFamily="34" charset="-34"/>
+              </a:rPr>
+            </a:br>
+            <a:r>
+              <a:rPr lang="th-TH" sz="2400" b="1" cap="none" dirty="0">
+                <a:latin typeface="TH SarabunPSK" panose="020B0500040200020003" pitchFamily="34" charset="-34"/>
+                <a:cs typeface="TH SarabunPSK" panose="020B0500040200020003" pitchFamily="34" charset="-34"/>
+              </a:rPr>
+              <a:t> </a:t>
+            </a:r>
+            <a:r>
+              <a:rPr lang="th-TH" sz="2400" b="1" cap="none" dirty="0" smtClean="0">
+                <a:latin typeface="TH SarabunPSK" panose="020B0500040200020003" pitchFamily="34" charset="-34"/>
+                <a:cs typeface="TH SarabunPSK" panose="020B0500040200020003" pitchFamily="34" charset="-34"/>
+              </a:rPr>
+              <a:t>                 </a:t>
+            </a:r>
+            <a:r>
+              <a:rPr lang="en-US" sz="2000" b="1" cap="none" dirty="0" err="1" smtClean="0">
+                <a:solidFill>
+                  <a:srgbClr val="00B050"/>
+                </a:solidFill>
+                <a:latin typeface="TH SarabunPSK" panose="020B0500040200020003" pitchFamily="34" charset="-34"/>
+                <a:cs typeface="TH SarabunPSK" panose="020B0500040200020003" pitchFamily="34" charset="-34"/>
+              </a:rPr>
+              <a:t>git</a:t>
+            </a:r>
+            <a:r>
+              <a:rPr lang="en-US" sz="2000" b="1" cap="none" dirty="0" smtClean="0">
+                <a:solidFill>
+                  <a:srgbClr val="00B050"/>
+                </a:solidFill>
+                <a:latin typeface="TH SarabunPSK" panose="020B0500040200020003" pitchFamily="34" charset="-34"/>
+                <a:cs typeface="TH SarabunPSK" panose="020B0500040200020003" pitchFamily="34" charset="-34"/>
+              </a:rPr>
+              <a:t> </a:t>
+            </a:r>
+            <a:r>
+              <a:rPr lang="en-US" sz="2000" b="1" cap="none" dirty="0">
+                <a:solidFill>
+                  <a:srgbClr val="00B050"/>
+                </a:solidFill>
+                <a:latin typeface="TH SarabunPSK" panose="020B0500040200020003" pitchFamily="34" charset="-34"/>
+                <a:cs typeface="TH SarabunPSK" panose="020B0500040200020003" pitchFamily="34" charset="-34"/>
+              </a:rPr>
+              <a:t>clone https://github.com/kachain2019/selenium-grid.git</a:t>
+            </a:r>
             <a:r>
               <a:rPr lang="th-TH" sz="2000" b="1" cap="none" dirty="0">
                 <a:latin typeface="TH SarabunPSK" panose="020B0500040200020003" pitchFamily="34" charset="-34"/>
@@ -14500,11 +14461,7 @@
             </a:r>
             <a:r>
               <a:rPr lang="th-TH" sz="2000" dirty="0" smtClean="0"/>
-              <a:t>เลือก</a:t>
-            </a:r>
-            <a:r>
-              <a:rPr lang="th-TH" sz="2000" dirty="0" smtClean="0"/>
-              <a:t>คลิกที่รูป</a:t>
+              <a:t>เลือกคลิกที่รูป</a:t>
             </a:r>
             <a:r>
               <a:rPr lang="th-TH" sz="2000" dirty="0"/>
@@ -14514,6 +14471,44 @@
               <a:rPr lang="th-TH" sz="2000" dirty="0" smtClean="0"/>
               <a:t>ครับ</a:t>
             </a:r>
+            <a:br>
+              <a:rPr lang="th-TH" sz="2000" dirty="0" smtClean="0"/>
+            </a:br>
+            <a:r>
+              <a:rPr lang="th-TH" sz="2000" dirty="0"/>
+              <a:t/>
+            </a:r>
+            <a:br>
+              <a:rPr lang="th-TH" sz="2000" dirty="0"/>
+            </a:br>
+            <a:r>
+              <a:rPr lang="th-TH" sz="2000" b="1" dirty="0" smtClean="0">
+                <a:latin typeface="TH SarabunPSK" panose="020B0500040200020003" pitchFamily="34" charset="-34"/>
+                <a:cs typeface="TH SarabunPSK" panose="020B0500040200020003" pitchFamily="34" charset="-34"/>
+              </a:rPr>
+              <a:t>ขั้นตอนที่ 3 </a:t>
+            </a:r>
+            <a:r>
+              <a:rPr lang="en-US" sz="2000" b="1" dirty="0" smtClean="0">
+                <a:latin typeface="TH SarabunPSK" panose="020B0500040200020003" pitchFamily="34" charset="-34"/>
+                <a:cs typeface="TH SarabunPSK" panose="020B0500040200020003" pitchFamily="34" charset="-34"/>
+              </a:rPr>
+              <a:t>: </a:t>
+            </a:r>
+            <a:r>
+              <a:rPr lang="th-TH" sz="2000" dirty="0" smtClean="0">
+                <a:latin typeface="TH SarabunPSK" panose="020B0500040200020003" pitchFamily="34" charset="-34"/>
+                <a:cs typeface="TH SarabunPSK" panose="020B0500040200020003" pitchFamily="34" charset="-34"/>
+              </a:rPr>
+              <a:t>กดดาวน์โหลดตามที่ผมกรอบแดงไว้เลยครับ แนะนำให้สร้างโฟลเดอร์ใหม่มาแล้วนำไฟล์นี้ไปวางไว้ก่อนนะครับ</a:t>
+            </a:r>
+            <a:r>
+              <a:rPr lang="en-US" sz="2000" dirty="0"/>
+              <a:t/>
+            </a:r>
+            <a:br>
+              <a:rPr lang="en-US" sz="2000" dirty="0"/>
+            </a:br>
             <a:r>
               <a:rPr lang="th-TH" sz="2000" dirty="0" smtClean="0"/>
               <a:t/>
@@ -14529,34 +14524,6 @@
               <a:rPr lang="th-TH" sz="2000" dirty="0"/>
             </a:br>
             <a:r>
-              <a:rPr lang="th-TH" sz="2000" b="1" dirty="0" smtClean="0">
-                <a:latin typeface="TH SarabunPSK" panose="020B0500040200020003" pitchFamily="34" charset="-34"/>
-                <a:cs typeface="TH SarabunPSK" panose="020B0500040200020003" pitchFamily="34" charset="-34"/>
-              </a:rPr>
-              <a:t>ขั้นตอนที่ 3 </a:t>
-            </a:r>
-            <a:r>
-              <a:rPr lang="en-US" sz="2000" b="1" dirty="0" smtClean="0">
-                <a:latin typeface="TH SarabunPSK" panose="020B0500040200020003" pitchFamily="34" charset="-34"/>
-                <a:cs typeface="TH SarabunPSK" panose="020B0500040200020003" pitchFamily="34" charset="-34"/>
-              </a:rPr>
-              <a:t>: </a:t>
-            </a:r>
-            <a:r>
-              <a:rPr lang="th-TH" sz="2000" dirty="0" smtClean="0">
-                <a:latin typeface="TH SarabunPSK" panose="020B0500040200020003" pitchFamily="34" charset="-34"/>
-                <a:cs typeface="TH SarabunPSK" panose="020B0500040200020003" pitchFamily="34" charset="-34"/>
-              </a:rPr>
-              <a:t>กดดาวน์โหลดตามที่ผมกรอบแดงไว้เลยครับ แนะนำให้สร้างโฟลเดอร์ใหม่มาแล้วนำไฟล์นี้ไปวางไว้ก่อนนะครับ</a:t>
-            </a:r>
-            <a:r>
-              <a:rPr lang="en-US" sz="2000" dirty="0"/>
-              <a:t/>
-            </a:r>
-            <a:br>
-              <a:rPr lang="en-US" sz="2000" dirty="0"/>
-            </a:br>
-            <a:r>
               <a:rPr lang="th-TH" sz="2000" dirty="0" smtClean="0"/>
               <a:t/>
             </a:r>
@@ -14578,13 +14545,6 @@
               <a:rPr lang="th-TH" sz="2000" dirty="0" smtClean="0"/>
             </a:br>
             <a:r>
-              <a:rPr lang="th-TH" sz="2000" dirty="0"/>
-              <a:t/>
-            </a:r>
-            <a:br>
-              <a:rPr lang="th-TH" sz="2000" dirty="0"/>
-            </a:br>
-            <a:r>
               <a:rPr lang="th-TH" sz="2000" dirty="0" smtClean="0"/>
               <a:t/>
             </a:r>
@@ -14592,13 +14552,6 @@
               <a:rPr lang="th-TH" sz="2000" dirty="0" smtClean="0"/>
             </a:br>
             <a:r>
-              <a:rPr lang="th-TH" sz="2000" dirty="0" smtClean="0"/>
-              <a:t/>
-            </a:r>
-            <a:br>
-              <a:rPr lang="th-TH" sz="2000" dirty="0" smtClean="0"/>
-            </a:br>
-            <a:r>
               <a:rPr lang="th-TH" sz="2000" b="1" dirty="0" smtClean="0">
                 <a:latin typeface="TH SarabunPSK" panose="020B0500040200020003" pitchFamily="34" charset="-34"/>
                 <a:cs typeface="TH SarabunPSK" panose="020B0500040200020003" pitchFamily="34" charset="-34"/>
@@ -14624,42 +14577,28 @@
                 <a:latin typeface="TH SarabunPSK" panose="020B0500040200020003" pitchFamily="34" charset="-34"/>
                 <a:cs typeface="TH SarabunPSK" panose="020B0500040200020003" pitchFamily="34" charset="-34"/>
               </a:rPr>
-              <a:t>เราจะ</a:t>
+              <a:t>เราจะมา</a:t>
+            </a:r>
+            <a:r>
+              <a:rPr lang="en-US" sz="2000" dirty="0" smtClean="0">
+                <a:latin typeface="TH SarabunPSK" panose="020B0500040200020003" pitchFamily="34" charset="-34"/>
+                <a:cs typeface="TH SarabunPSK" panose="020B0500040200020003" pitchFamily="34" charset="-34"/>
+              </a:rPr>
+              <a:t> </a:t>
+            </a:r>
+            <a:r>
+              <a:rPr lang="en-US" sz="2000" cap="none" dirty="0" smtClean="0">
+                <a:latin typeface="TH SarabunPSK" panose="020B0500040200020003" pitchFamily="34" charset="-34"/>
+                <a:cs typeface="TH SarabunPSK" panose="020B0500040200020003" pitchFamily="34" charset="-34"/>
+              </a:rPr>
+              <a:t>Start Hub </a:t>
             </a:r>
             <a:r>
               <a:rPr lang="th-TH" sz="2000" dirty="0" smtClean="0">
                 <a:latin typeface="TH SarabunPSK" panose="020B0500040200020003" pitchFamily="34" charset="-34"/>
                 <a:cs typeface="TH SarabunPSK" panose="020B0500040200020003" pitchFamily="34" charset="-34"/>
               </a:rPr>
-              <a:t>มา</a:t>
-            </a:r>
-            <a:r>
-              <a:rPr lang="en-US" sz="2000" dirty="0" smtClean="0">
-                <a:latin typeface="TH SarabunPSK" panose="020B0500040200020003" pitchFamily="34" charset="-34"/>
-                <a:cs typeface="TH SarabunPSK" panose="020B0500040200020003" pitchFamily="34" charset="-34"/>
-              </a:rPr>
-              <a:t> </a:t>
-            </a:r>
-            <a:r>
-              <a:rPr lang="en-US" sz="2000" cap="none" dirty="0" smtClean="0">
-                <a:latin typeface="TH SarabunPSK" panose="020B0500040200020003" pitchFamily="34" charset="-34"/>
-                <a:cs typeface="TH SarabunPSK" panose="020B0500040200020003" pitchFamily="34" charset="-34"/>
-              </a:rPr>
-              <a:t>Start Hub </a:t>
-            </a:r>
-            <a:r>
-              <a:rPr lang="th-TH" sz="2000" dirty="0" smtClean="0">
-                <a:latin typeface="TH SarabunPSK" panose="020B0500040200020003" pitchFamily="34" charset="-34"/>
-                <a:cs typeface="TH SarabunPSK" panose="020B0500040200020003" pitchFamily="34" charset="-34"/>
-              </a:rPr>
-              <a:t>กันนะครับ ด้วยคำสั่งด้านล่าง </a:t>
-            </a:r>
-            <a:r>
-              <a:rPr lang="th-TH" sz="2000" dirty="0" smtClean="0">
-                <a:latin typeface="TH SarabunPSK" panose="020B0500040200020003" pitchFamily="34" charset="-34"/>
-                <a:cs typeface="TH SarabunPSK" panose="020B0500040200020003" pitchFamily="34" charset="-34"/>
-              </a:rPr>
-              <a:t>เข้า </a:t>
+              <a:t>กันนะครับ ด้วยคำสั่งด้านล่าง เข้า </a:t>
             </a:r>
             <a:r>
               <a:rPr lang="en-US" sz="2000" cap="none" dirty="0" err="1" smtClean="0">
@@ -15017,391 +14956,377 @@
                 <a:latin typeface="TH SarabunPSK" panose="020B0500040200020003" pitchFamily="34" charset="-34"/>
                 <a:cs typeface="TH SarabunPSK" panose="020B0500040200020003" pitchFamily="34" charset="-34"/>
               </a:rPr>
-              <a:t>เข้าไป</a:t>
+              <a:t>เข้าไปที่ </a:t>
+            </a:r>
+            <a:r>
+              <a:rPr lang="en-US" sz="2000" cap="none" dirty="0" smtClean="0">
+                <a:latin typeface="TH SarabunPSK" panose="020B0500040200020003" pitchFamily="34" charset="-34"/>
+                <a:cs typeface="TH SarabunPSK" panose="020B0500040200020003" pitchFamily="34" charset="-34"/>
+              </a:rPr>
+              <a:t>link </a:t>
             </a:r>
             <a:r>
               <a:rPr lang="th-TH" sz="2000" dirty="0" smtClean="0">
                 <a:latin typeface="TH SarabunPSK" panose="020B0500040200020003" pitchFamily="34" charset="-34"/>
                 <a:cs typeface="TH SarabunPSK" panose="020B0500040200020003" pitchFamily="34" charset="-34"/>
               </a:rPr>
+              <a:t>นี้ครับ</a:t>
+            </a:r>
+            <a:r>
+              <a:rPr lang="en-US" sz="2000" dirty="0" smtClean="0">
+                <a:latin typeface="TH SarabunPSK" panose="020B0500040200020003" pitchFamily="34" charset="-34"/>
+                <a:cs typeface="TH SarabunPSK" panose="020B0500040200020003" pitchFamily="34" charset="-34"/>
+              </a:rPr>
+              <a:t> </a:t>
+            </a:r>
+            <a:r>
+              <a:rPr lang="en-US" sz="2000" u="sng" cap="none" dirty="0" smtClean="0">
+                <a:solidFill>
+                  <a:schemeClr val="tx1"/>
+                </a:solidFill>
+                <a:latin typeface="TH SarabunPSK" panose="020B0500040200020003" pitchFamily="34" charset="-34"/>
+                <a:cs typeface="TH SarabunPSK" panose="020B0500040200020003" pitchFamily="34" charset="-34"/>
+                <a:hlinkClick r:id="rId2"/>
+              </a:rPr>
+              <a:t>http://localhost:4444/</a:t>
+            </a:r>
+            <a:r>
+              <a:rPr lang="th-TH" sz="2000" u="sng" cap="none" dirty="0" smtClean="0">
+                <a:solidFill>
+                  <a:schemeClr val="tx1"/>
+                </a:solidFill>
+                <a:latin typeface="TH SarabunPSK" panose="020B0500040200020003" pitchFamily="34" charset="-34"/>
+                <a:cs typeface="TH SarabunPSK" panose="020B0500040200020003" pitchFamily="34" charset="-34"/>
+              </a:rPr>
+              <a:t> </a:t>
+            </a:r>
+            <a:br>
+              <a:rPr lang="th-TH" sz="2000" u="sng" cap="none" dirty="0" smtClean="0">
+                <a:solidFill>
+                  <a:schemeClr val="tx1"/>
+                </a:solidFill>
+                <a:latin typeface="TH SarabunPSK" panose="020B0500040200020003" pitchFamily="34" charset="-34"/>
+                <a:cs typeface="TH SarabunPSK" panose="020B0500040200020003" pitchFamily="34" charset="-34"/>
+              </a:rPr>
+            </a:br>
+            <a:r>
+              <a:rPr lang="th-TH" sz="2000" cap="none" dirty="0" smtClean="0">
+                <a:solidFill>
+                  <a:schemeClr val="tx1"/>
+                </a:solidFill>
+                <a:latin typeface="TH SarabunPSK" panose="020B0500040200020003" pitchFamily="34" charset="-34"/>
+                <a:cs typeface="TH SarabunPSK" panose="020B0500040200020003" pitchFamily="34" charset="-34"/>
+              </a:rPr>
+              <a:t>	ถ้ากดแล้วแสดงดังรูปแสดงว่า </a:t>
+            </a:r>
+            <a:r>
+              <a:rPr lang="en-US" sz="2000" cap="none" dirty="0" smtClean="0">
+                <a:solidFill>
+                  <a:schemeClr val="tx1"/>
+                </a:solidFill>
+                <a:latin typeface="TH SarabunPSK" panose="020B0500040200020003" pitchFamily="34" charset="-34"/>
+                <a:cs typeface="TH SarabunPSK" panose="020B0500040200020003" pitchFamily="34" charset="-34"/>
+              </a:rPr>
+              <a:t>Hub </a:t>
+            </a:r>
+            <a:r>
+              <a:rPr lang="th-TH" sz="2000" cap="none" dirty="0" smtClean="0">
+                <a:solidFill>
+                  <a:schemeClr val="tx1"/>
+                </a:solidFill>
+                <a:latin typeface="TH SarabunPSK" panose="020B0500040200020003" pitchFamily="34" charset="-34"/>
+                <a:cs typeface="TH SarabunPSK" panose="020B0500040200020003" pitchFamily="34" charset="-34"/>
+              </a:rPr>
+              <a:t>ถูก </a:t>
+            </a:r>
+            <a:r>
+              <a:rPr lang="en-US" sz="2000" cap="none" dirty="0" smtClean="0">
+                <a:solidFill>
+                  <a:schemeClr val="tx1"/>
+                </a:solidFill>
+                <a:latin typeface="TH SarabunPSK" panose="020B0500040200020003" pitchFamily="34" charset="-34"/>
+                <a:cs typeface="TH SarabunPSK" panose="020B0500040200020003" pitchFamily="34" charset="-34"/>
+              </a:rPr>
+              <a:t>Start </a:t>
+            </a:r>
+            <a:r>
+              <a:rPr lang="th-TH" sz="2000" cap="none" dirty="0" smtClean="0">
+                <a:solidFill>
+                  <a:schemeClr val="tx1"/>
+                </a:solidFill>
+                <a:latin typeface="TH SarabunPSK" panose="020B0500040200020003" pitchFamily="34" charset="-34"/>
+                <a:cs typeface="TH SarabunPSK" panose="020B0500040200020003" pitchFamily="34" charset="-34"/>
+              </a:rPr>
+              <a:t>เรียบร้อยแล้วครับ</a:t>
+            </a:r>
+            <a:r>
+              <a:rPr lang="th-TH" sz="2000" dirty="0" smtClean="0">
+                <a:latin typeface="TH SarabunPSK" panose="020B0500040200020003" pitchFamily="34" charset="-34"/>
+                <a:cs typeface="TH SarabunPSK" panose="020B0500040200020003" pitchFamily="34" charset="-34"/>
+              </a:rPr>
+              <a:t/>
+            </a:r>
+            <a:br>
+              <a:rPr lang="th-TH" sz="2000" dirty="0" smtClean="0">
+                <a:latin typeface="TH SarabunPSK" panose="020B0500040200020003" pitchFamily="34" charset="-34"/>
+                <a:cs typeface="TH SarabunPSK" panose="020B0500040200020003" pitchFamily="34" charset="-34"/>
+              </a:rPr>
+            </a:br>
+            <a:r>
+              <a:rPr lang="en-US" sz="2400" b="1" cap="none" dirty="0" smtClean="0">
+                <a:solidFill>
+                  <a:srgbClr val="00B050"/>
+                </a:solidFill>
+                <a:latin typeface="TH SarabunPSK" panose="020B0500040200020003" pitchFamily="34" charset="-34"/>
+                <a:cs typeface="TH SarabunPSK" panose="020B0500040200020003" pitchFamily="34" charset="-34"/>
+              </a:rPr>
+              <a:t/>
+            </a:r>
+            <a:br>
+              <a:rPr lang="en-US" sz="2400" b="1" cap="none" dirty="0" smtClean="0">
+                <a:solidFill>
+                  <a:srgbClr val="00B050"/>
+                </a:solidFill>
+                <a:latin typeface="TH SarabunPSK" panose="020B0500040200020003" pitchFamily="34" charset="-34"/>
+                <a:cs typeface="TH SarabunPSK" panose="020B0500040200020003" pitchFamily="34" charset="-34"/>
+              </a:rPr>
+            </a:br>
+            <a:r>
+              <a:rPr lang="th-TH" sz="2400" b="1" cap="none" dirty="0" smtClean="0">
+                <a:solidFill>
+                  <a:srgbClr val="00B050"/>
+                </a:solidFill>
+                <a:latin typeface="TH SarabunPSK" panose="020B0500040200020003" pitchFamily="34" charset="-34"/>
+                <a:cs typeface="TH SarabunPSK" panose="020B0500040200020003" pitchFamily="34" charset="-34"/>
+              </a:rPr>
+              <a:t/>
+            </a:r>
+            <a:br>
+              <a:rPr lang="th-TH" sz="2400" b="1" cap="none" dirty="0" smtClean="0">
+                <a:solidFill>
+                  <a:srgbClr val="00B050"/>
+                </a:solidFill>
+                <a:latin typeface="TH SarabunPSK" panose="020B0500040200020003" pitchFamily="34" charset="-34"/>
+                <a:cs typeface="TH SarabunPSK" panose="020B0500040200020003" pitchFamily="34" charset="-34"/>
+              </a:rPr>
+            </a:br>
+            <a:r>
+              <a:rPr lang="th-TH" sz="2400" b="1" cap="none" dirty="0" smtClean="0">
+                <a:solidFill>
+                  <a:srgbClr val="00B050"/>
+                </a:solidFill>
+                <a:latin typeface="TH SarabunPSK" panose="020B0500040200020003" pitchFamily="34" charset="-34"/>
+                <a:cs typeface="TH SarabunPSK" panose="020B0500040200020003" pitchFamily="34" charset="-34"/>
+              </a:rPr>
+              <a:t/>
+            </a:r>
+            <a:br>
+              <a:rPr lang="th-TH" sz="2400" b="1" cap="none" dirty="0" smtClean="0">
+                <a:solidFill>
+                  <a:srgbClr val="00B050"/>
+                </a:solidFill>
+                <a:latin typeface="TH SarabunPSK" panose="020B0500040200020003" pitchFamily="34" charset="-34"/>
+                <a:cs typeface="TH SarabunPSK" panose="020B0500040200020003" pitchFamily="34" charset="-34"/>
+              </a:rPr>
+            </a:br>
+            <a:r>
+              <a:rPr lang="th-TH" sz="2400" b="1" cap="none" dirty="0">
+                <a:solidFill>
+                  <a:srgbClr val="00B050"/>
+                </a:solidFill>
+                <a:latin typeface="TH SarabunPSK" panose="020B0500040200020003" pitchFamily="34" charset="-34"/>
+                <a:cs typeface="TH SarabunPSK" panose="020B0500040200020003" pitchFamily="34" charset="-34"/>
+              </a:rPr>
+              <a:t/>
+            </a:r>
+            <a:br>
+              <a:rPr lang="th-TH" sz="2400" b="1" cap="none" dirty="0">
+                <a:solidFill>
+                  <a:srgbClr val="00B050"/>
+                </a:solidFill>
+                <a:latin typeface="TH SarabunPSK" panose="020B0500040200020003" pitchFamily="34" charset="-34"/>
+                <a:cs typeface="TH SarabunPSK" panose="020B0500040200020003" pitchFamily="34" charset="-34"/>
+              </a:rPr>
+            </a:br>
+            <a:r>
+              <a:rPr lang="th-TH" sz="2400" b="1" cap="none" dirty="0" smtClean="0">
+                <a:solidFill>
+                  <a:srgbClr val="00B050"/>
+                </a:solidFill>
+                <a:latin typeface="TH SarabunPSK" panose="020B0500040200020003" pitchFamily="34" charset="-34"/>
+                <a:cs typeface="TH SarabunPSK" panose="020B0500040200020003" pitchFamily="34" charset="-34"/>
+              </a:rPr>
+              <a:t/>
+            </a:r>
+            <a:br>
+              <a:rPr lang="th-TH" sz="2400" b="1" cap="none" dirty="0" smtClean="0">
+                <a:solidFill>
+                  <a:srgbClr val="00B050"/>
+                </a:solidFill>
+                <a:latin typeface="TH SarabunPSK" panose="020B0500040200020003" pitchFamily="34" charset="-34"/>
+                <a:cs typeface="TH SarabunPSK" panose="020B0500040200020003" pitchFamily="34" charset="-34"/>
+              </a:rPr>
+            </a:br>
+            <a:r>
+              <a:rPr lang="th-TH" sz="2400" b="1" cap="none" dirty="0">
+                <a:solidFill>
+                  <a:srgbClr val="00B050"/>
+                </a:solidFill>
+                <a:latin typeface="TH SarabunPSK" panose="020B0500040200020003" pitchFamily="34" charset="-34"/>
+                <a:cs typeface="TH SarabunPSK" panose="020B0500040200020003" pitchFamily="34" charset="-34"/>
+              </a:rPr>
+              <a:t/>
+            </a:r>
+            <a:br>
+              <a:rPr lang="th-TH" sz="2400" b="1" cap="none" dirty="0">
+                <a:solidFill>
+                  <a:srgbClr val="00B050"/>
+                </a:solidFill>
+                <a:latin typeface="TH SarabunPSK" panose="020B0500040200020003" pitchFamily="34" charset="-34"/>
+                <a:cs typeface="TH SarabunPSK" panose="020B0500040200020003" pitchFamily="34" charset="-34"/>
+              </a:rPr>
+            </a:br>
+            <a:r>
+              <a:rPr lang="th-TH" sz="2400" b="1" cap="none" dirty="0" smtClean="0">
+                <a:solidFill>
+                  <a:srgbClr val="00B050"/>
+                </a:solidFill>
+                <a:latin typeface="TH SarabunPSK" panose="020B0500040200020003" pitchFamily="34" charset="-34"/>
+                <a:cs typeface="TH SarabunPSK" panose="020B0500040200020003" pitchFamily="34" charset="-34"/>
+              </a:rPr>
+              <a:t/>
+            </a:r>
+            <a:br>
+              <a:rPr lang="th-TH" sz="2400" b="1" cap="none" dirty="0" smtClean="0">
+                <a:solidFill>
+                  <a:srgbClr val="00B050"/>
+                </a:solidFill>
+                <a:latin typeface="TH SarabunPSK" panose="020B0500040200020003" pitchFamily="34" charset="-34"/>
+                <a:cs typeface="TH SarabunPSK" panose="020B0500040200020003" pitchFamily="34" charset="-34"/>
+              </a:rPr>
+            </a:br>
+            <a:r>
+              <a:rPr lang="th-TH" sz="2400" b="1" cap="none" dirty="0">
+                <a:solidFill>
+                  <a:srgbClr val="00B050"/>
+                </a:solidFill>
+                <a:latin typeface="TH SarabunPSK" panose="020B0500040200020003" pitchFamily="34" charset="-34"/>
+                <a:cs typeface="TH SarabunPSK" panose="020B0500040200020003" pitchFamily="34" charset="-34"/>
+              </a:rPr>
+              <a:t/>
+            </a:r>
+            <a:br>
+              <a:rPr lang="th-TH" sz="2400" b="1" cap="none" dirty="0">
+                <a:solidFill>
+                  <a:srgbClr val="00B050"/>
+                </a:solidFill>
+                <a:latin typeface="TH SarabunPSK" panose="020B0500040200020003" pitchFamily="34" charset="-34"/>
+                <a:cs typeface="TH SarabunPSK" panose="020B0500040200020003" pitchFamily="34" charset="-34"/>
+              </a:rPr>
+            </a:br>
+            <a:r>
+              <a:rPr lang="th-TH" sz="2400" b="1" cap="none" dirty="0" smtClean="0">
+                <a:solidFill>
+                  <a:srgbClr val="00B050"/>
+                </a:solidFill>
+                <a:latin typeface="TH SarabunPSK" panose="020B0500040200020003" pitchFamily="34" charset="-34"/>
+                <a:cs typeface="TH SarabunPSK" panose="020B0500040200020003" pitchFamily="34" charset="-34"/>
+              </a:rPr>
+              <a:t/>
+            </a:r>
+            <a:br>
+              <a:rPr lang="th-TH" sz="2400" b="1" cap="none" dirty="0" smtClean="0">
+                <a:solidFill>
+                  <a:srgbClr val="00B050"/>
+                </a:solidFill>
+                <a:latin typeface="TH SarabunPSK" panose="020B0500040200020003" pitchFamily="34" charset="-34"/>
+                <a:cs typeface="TH SarabunPSK" panose="020B0500040200020003" pitchFamily="34" charset="-34"/>
+              </a:rPr>
+            </a:br>
+            <a:r>
+              <a:rPr lang="th-TH" sz="2000" b="1" cap="none" dirty="0" smtClean="0">
+                <a:solidFill>
+                  <a:schemeClr val="tx1"/>
+                </a:solidFill>
+                <a:latin typeface="TH SarabunPSK" panose="020B0500040200020003" pitchFamily="34" charset="-34"/>
+                <a:cs typeface="TH SarabunPSK" panose="020B0500040200020003" pitchFamily="34" charset="-34"/>
+              </a:rPr>
+              <a:t>ขั้นตอน</a:t>
+            </a:r>
+            <a:r>
+              <a:rPr lang="th-TH" sz="2000" b="1" cap="none" dirty="0">
+                <a:solidFill>
+                  <a:schemeClr val="tx1"/>
+                </a:solidFill>
+                <a:latin typeface="TH SarabunPSK" panose="020B0500040200020003" pitchFamily="34" charset="-34"/>
+                <a:cs typeface="TH SarabunPSK" panose="020B0500040200020003" pitchFamily="34" charset="-34"/>
+              </a:rPr>
               <a:t>ที่ </a:t>
             </a:r>
             <a:r>
+              <a:rPr lang="th-TH" sz="2000" b="1" cap="none" dirty="0" smtClean="0">
+                <a:solidFill>
+                  <a:schemeClr val="tx1"/>
+                </a:solidFill>
+                <a:latin typeface="TH SarabunPSK" panose="020B0500040200020003" pitchFamily="34" charset="-34"/>
+                <a:cs typeface="TH SarabunPSK" panose="020B0500040200020003" pitchFamily="34" charset="-34"/>
+              </a:rPr>
+              <a:t>5 </a:t>
+            </a:r>
+            <a:r>
+              <a:rPr lang="th-TH" sz="2000" b="1" cap="none" dirty="0">
+                <a:solidFill>
+                  <a:schemeClr val="tx1"/>
+                </a:solidFill>
+                <a:latin typeface="TH SarabunPSK" panose="020B0500040200020003" pitchFamily="34" charset="-34"/>
+                <a:cs typeface="TH SarabunPSK" panose="020B0500040200020003" pitchFamily="34" charset="-34"/>
+              </a:rPr>
+              <a:t>: </a:t>
+            </a:r>
+            <a:r>
+              <a:rPr lang="th-TH" sz="2000" cap="none" dirty="0" smtClean="0">
+                <a:solidFill>
+                  <a:schemeClr val="tx1"/>
+                </a:solidFill>
+                <a:latin typeface="TH SarabunPSK" panose="020B0500040200020003" pitchFamily="34" charset="-34"/>
+                <a:cs typeface="TH SarabunPSK" panose="020B0500040200020003" pitchFamily="34" charset="-34"/>
+              </a:rPr>
+              <a:t>เข้าไปที่ </a:t>
+            </a:r>
+            <a:r>
+              <a:rPr lang="en-US" sz="2000" b="1" cap="none" dirty="0" smtClean="0">
+                <a:latin typeface="TH SarabunPSK" panose="020B0500040200020003" pitchFamily="34" charset="-34"/>
+                <a:cs typeface="TH SarabunPSK" panose="020B0500040200020003" pitchFamily="34" charset="-34"/>
+              </a:rPr>
+              <a:t>Grid Console Page</a:t>
+            </a:r>
+            <a:r>
               <a:rPr lang="en-US" sz="2000" cap="none" dirty="0" smtClean="0">
                 <a:latin typeface="TH SarabunPSK" panose="020B0500040200020003" pitchFamily="34" charset="-34"/>
                 <a:cs typeface="TH SarabunPSK" panose="020B0500040200020003" pitchFamily="34" charset="-34"/>
               </a:rPr>
-              <a:t>link </a:t>
-            </a:r>
-            <a:r>
-              <a:rPr lang="th-TH" sz="2000" dirty="0" smtClean="0">
-                <a:latin typeface="TH SarabunPSK" panose="020B0500040200020003" pitchFamily="34" charset="-34"/>
-                <a:cs typeface="TH SarabunPSK" panose="020B0500040200020003" pitchFamily="34" charset="-34"/>
-              </a:rPr>
-              <a:t>นี้ครับ</a:t>
-            </a:r>
-            <a:r>
-              <a:rPr lang="en-US" sz="2000" dirty="0" smtClean="0">
-                <a:latin typeface="TH SarabunPSK" panose="020B0500040200020003" pitchFamily="34" charset="-34"/>
-                <a:cs typeface="TH SarabunPSK" panose="020B0500040200020003" pitchFamily="34" charset="-34"/>
-              </a:rPr>
               <a:t> </a:t>
             </a:r>
             <a:r>
-              <a:rPr lang="en-US" sz="2000" u="sng" cap="none" dirty="0" smtClean="0">
-                <a:solidFill>
-                  <a:schemeClr val="tx1"/>
-                </a:solidFill>
-                <a:latin typeface="TH SarabunPSK" panose="020B0500040200020003" pitchFamily="34" charset="-34"/>
-                <a:cs typeface="TH SarabunPSK" panose="020B0500040200020003" pitchFamily="34" charset="-34"/>
-                <a:hlinkClick r:id="rId2"/>
-              </a:rPr>
-              <a:t>http://localhost:4444/</a:t>
-            </a:r>
-            <a:r>
-              <a:rPr lang="th-TH" sz="2000" u="sng" cap="none" dirty="0" smtClean="0">
-                <a:solidFill>
-                  <a:schemeClr val="tx1"/>
-                </a:solidFill>
-                <a:latin typeface="TH SarabunPSK" panose="020B0500040200020003" pitchFamily="34" charset="-34"/>
-                <a:cs typeface="TH SarabunPSK" panose="020B0500040200020003" pitchFamily="34" charset="-34"/>
-              </a:rPr>
-              <a:t> </a:t>
-            </a:r>
-            <a:br>
-              <a:rPr lang="th-TH" sz="2000" u="sng" cap="none" dirty="0" smtClean="0">
-                <a:solidFill>
-                  <a:schemeClr val="tx1"/>
-                </a:solidFill>
-                <a:latin typeface="TH SarabunPSK" panose="020B0500040200020003" pitchFamily="34" charset="-34"/>
-                <a:cs typeface="TH SarabunPSK" panose="020B0500040200020003" pitchFamily="34" charset="-34"/>
-              </a:rPr>
-            </a:br>
-            <a:r>
               <a:rPr lang="th-TH" sz="2000" cap="none" dirty="0" smtClean="0">
-                <a:solidFill>
-                  <a:schemeClr val="tx1"/>
-                </a:solidFill>
-                <a:latin typeface="TH SarabunPSK" panose="020B0500040200020003" pitchFamily="34" charset="-34"/>
-                <a:cs typeface="TH SarabunPSK" panose="020B0500040200020003" pitchFamily="34" charset="-34"/>
-              </a:rPr>
-              <a:t>	ถ้ากดแล้วแสดงดังรูปแสดงว่า </a:t>
+                <a:latin typeface="TH SarabunPSK" panose="020B0500040200020003" pitchFamily="34" charset="-34"/>
+                <a:cs typeface="TH SarabunPSK" panose="020B0500040200020003" pitchFamily="34" charset="-34"/>
+              </a:rPr>
+              <a:t>ตาม </a:t>
             </a:r>
             <a:r>
               <a:rPr lang="en-US" sz="2000" cap="none" dirty="0" smtClean="0">
-                <a:solidFill>
-                  <a:schemeClr val="tx1"/>
-                </a:solidFill>
-                <a:latin typeface="TH SarabunPSK" panose="020B0500040200020003" pitchFamily="34" charset="-34"/>
-                <a:cs typeface="TH SarabunPSK" panose="020B0500040200020003" pitchFamily="34" charset="-34"/>
-              </a:rPr>
-              <a:t>Hub </a:t>
+                <a:latin typeface="TH SarabunPSK" panose="020B0500040200020003" pitchFamily="34" charset="-34"/>
+                <a:cs typeface="TH SarabunPSK" panose="020B0500040200020003" pitchFamily="34" charset="-34"/>
+              </a:rPr>
+              <a:t>link</a:t>
             </a:r>
             <a:r>
               <a:rPr lang="th-TH" sz="2000" cap="none" dirty="0" smtClean="0">
-                <a:solidFill>
-                  <a:schemeClr val="tx1"/>
-                </a:solidFill>
-                <a:latin typeface="TH SarabunPSK" panose="020B0500040200020003" pitchFamily="34" charset="-34"/>
-                <a:cs typeface="TH SarabunPSK" panose="020B0500040200020003" pitchFamily="34" charset="-34"/>
-              </a:rPr>
-              <a:t>ถูก </a:t>
-            </a:r>
-            <a:r>
-              <a:rPr lang="en-US" sz="2000" cap="none" dirty="0" smtClean="0">
-                <a:solidFill>
-                  <a:schemeClr val="tx1"/>
-                </a:solidFill>
-                <a:latin typeface="TH SarabunPSK" panose="020B0500040200020003" pitchFamily="34" charset="-34"/>
-                <a:cs typeface="TH SarabunPSK" panose="020B0500040200020003" pitchFamily="34" charset="-34"/>
-              </a:rPr>
-              <a:t>Start </a:t>
-            </a:r>
-            <a:r>
-              <a:rPr lang="th-TH" sz="2000" cap="none" dirty="0" smtClean="0">
-                <a:solidFill>
-                  <a:schemeClr val="tx1"/>
-                </a:solidFill>
-                <a:latin typeface="TH SarabunPSK" panose="020B0500040200020003" pitchFamily="34" charset="-34"/>
-                <a:cs typeface="TH SarabunPSK" panose="020B0500040200020003" pitchFamily="34" charset="-34"/>
-              </a:rPr>
-              <a:t>เรียบร้อยแล้วครับ</a:t>
-            </a:r>
-            <a:r>
-              <a:rPr lang="th-TH" sz="2000" dirty="0" smtClean="0">
-                <a:latin typeface="TH SarabunPSK" panose="020B0500040200020003" pitchFamily="34" charset="-34"/>
-                <a:cs typeface="TH SarabunPSK" panose="020B0500040200020003" pitchFamily="34" charset="-34"/>
-              </a:rPr>
-              <a:t/>
-            </a:r>
-            <a:br>
-              <a:rPr lang="th-TH" sz="2000" dirty="0" smtClean="0">
-                <a:latin typeface="TH SarabunPSK" panose="020B0500040200020003" pitchFamily="34" charset="-34"/>
-                <a:cs typeface="TH SarabunPSK" panose="020B0500040200020003" pitchFamily="34" charset="-34"/>
-              </a:rPr>
-            </a:br>
-            <a:r>
-              <a:rPr lang="en-US" sz="2400" b="1" cap="none" dirty="0" smtClean="0">
-                <a:solidFill>
-                  <a:srgbClr val="00B050"/>
-                </a:solidFill>
-                <a:latin typeface="TH SarabunPSK" panose="020B0500040200020003" pitchFamily="34" charset="-34"/>
-                <a:cs typeface="TH SarabunPSK" panose="020B0500040200020003" pitchFamily="34" charset="-34"/>
-              </a:rPr>
-              <a:t/>
-            </a:r>
-            <a:br>
-              <a:rPr lang="en-US" sz="2400" b="1" cap="none" dirty="0" smtClean="0">
-                <a:solidFill>
-                  <a:srgbClr val="00B050"/>
-                </a:solidFill>
-                <a:latin typeface="TH SarabunPSK" panose="020B0500040200020003" pitchFamily="34" charset="-34"/>
-                <a:cs typeface="TH SarabunPSK" panose="020B0500040200020003" pitchFamily="34" charset="-34"/>
-              </a:rPr>
-            </a:br>
-            <a:r>
-              <a:rPr lang="th-TH" sz="2400" b="1" cap="none" dirty="0" smtClean="0">
-                <a:solidFill>
-                  <a:srgbClr val="00B050"/>
-                </a:solidFill>
-                <a:latin typeface="TH SarabunPSK" panose="020B0500040200020003" pitchFamily="34" charset="-34"/>
-                <a:cs typeface="TH SarabunPSK" panose="020B0500040200020003" pitchFamily="34" charset="-34"/>
-              </a:rPr>
-              <a:t/>
-            </a:r>
-            <a:br>
-              <a:rPr lang="th-TH" sz="2400" b="1" cap="none" dirty="0" smtClean="0">
-                <a:solidFill>
-                  <a:srgbClr val="00B050"/>
-                </a:solidFill>
-                <a:latin typeface="TH SarabunPSK" panose="020B0500040200020003" pitchFamily="34" charset="-34"/>
-                <a:cs typeface="TH SarabunPSK" panose="020B0500040200020003" pitchFamily="34" charset="-34"/>
-              </a:rPr>
-            </a:br>
-            <a:r>
-              <a:rPr lang="th-TH" sz="2400" b="1" cap="none" dirty="0" smtClean="0">
-                <a:solidFill>
-                  <a:srgbClr val="00B050"/>
-                </a:solidFill>
-                <a:latin typeface="TH SarabunPSK" panose="020B0500040200020003" pitchFamily="34" charset="-34"/>
-                <a:cs typeface="TH SarabunPSK" panose="020B0500040200020003" pitchFamily="34" charset="-34"/>
-              </a:rPr>
-              <a:t/>
-            </a:r>
-            <a:br>
-              <a:rPr lang="th-TH" sz="2400" b="1" cap="none" dirty="0" smtClean="0">
-                <a:solidFill>
-                  <a:srgbClr val="00B050"/>
-                </a:solidFill>
-                <a:latin typeface="TH SarabunPSK" panose="020B0500040200020003" pitchFamily="34" charset="-34"/>
-                <a:cs typeface="TH SarabunPSK" panose="020B0500040200020003" pitchFamily="34" charset="-34"/>
-              </a:rPr>
-            </a:br>
-            <a:r>
-              <a:rPr lang="th-TH" sz="2400" b="1" cap="none" dirty="0">
-                <a:solidFill>
-                  <a:srgbClr val="00B050"/>
-                </a:solidFill>
-                <a:latin typeface="TH SarabunPSK" panose="020B0500040200020003" pitchFamily="34" charset="-34"/>
-                <a:cs typeface="TH SarabunPSK" panose="020B0500040200020003" pitchFamily="34" charset="-34"/>
-              </a:rPr>
-              <a:t/>
-            </a:r>
-            <a:br>
-              <a:rPr lang="th-TH" sz="2400" b="1" cap="none" dirty="0">
-                <a:solidFill>
-                  <a:srgbClr val="00B050"/>
-                </a:solidFill>
-                <a:latin typeface="TH SarabunPSK" panose="020B0500040200020003" pitchFamily="34" charset="-34"/>
-                <a:cs typeface="TH SarabunPSK" panose="020B0500040200020003" pitchFamily="34" charset="-34"/>
-              </a:rPr>
-            </a:br>
-            <a:r>
-              <a:rPr lang="th-TH" sz="2400" b="1" cap="none" dirty="0" smtClean="0">
-                <a:solidFill>
-                  <a:srgbClr val="00B050"/>
-                </a:solidFill>
-                <a:latin typeface="TH SarabunPSK" panose="020B0500040200020003" pitchFamily="34" charset="-34"/>
-                <a:cs typeface="TH SarabunPSK" panose="020B0500040200020003" pitchFamily="34" charset="-34"/>
-              </a:rPr>
-              <a:t/>
-            </a:r>
-            <a:br>
-              <a:rPr lang="th-TH" sz="2400" b="1" cap="none" dirty="0" smtClean="0">
-                <a:solidFill>
-                  <a:srgbClr val="00B050"/>
-                </a:solidFill>
-                <a:latin typeface="TH SarabunPSK" panose="020B0500040200020003" pitchFamily="34" charset="-34"/>
-                <a:cs typeface="TH SarabunPSK" panose="020B0500040200020003" pitchFamily="34" charset="-34"/>
-              </a:rPr>
-            </a:br>
-            <a:r>
-              <a:rPr lang="th-TH" sz="2400" b="1" cap="none" dirty="0">
-                <a:solidFill>
-                  <a:srgbClr val="00B050"/>
-                </a:solidFill>
-                <a:latin typeface="TH SarabunPSK" panose="020B0500040200020003" pitchFamily="34" charset="-34"/>
-                <a:cs typeface="TH SarabunPSK" panose="020B0500040200020003" pitchFamily="34" charset="-34"/>
-              </a:rPr>
-              <a:t/>
-            </a:r>
-            <a:br>
-              <a:rPr lang="th-TH" sz="2400" b="1" cap="none" dirty="0">
-                <a:solidFill>
-                  <a:srgbClr val="00B050"/>
-                </a:solidFill>
-                <a:latin typeface="TH SarabunPSK" panose="020B0500040200020003" pitchFamily="34" charset="-34"/>
-                <a:cs typeface="TH SarabunPSK" panose="020B0500040200020003" pitchFamily="34" charset="-34"/>
-              </a:rPr>
-            </a:br>
-            <a:r>
-              <a:rPr lang="th-TH" sz="2400" b="1" cap="none" dirty="0" smtClean="0">
-                <a:solidFill>
-                  <a:srgbClr val="00B050"/>
-                </a:solidFill>
-                <a:latin typeface="TH SarabunPSK" panose="020B0500040200020003" pitchFamily="34" charset="-34"/>
-                <a:cs typeface="TH SarabunPSK" panose="020B0500040200020003" pitchFamily="34" charset="-34"/>
-              </a:rPr>
-              <a:t/>
-            </a:r>
-            <a:br>
-              <a:rPr lang="th-TH" sz="2400" b="1" cap="none" dirty="0" smtClean="0">
-                <a:solidFill>
-                  <a:srgbClr val="00B050"/>
-                </a:solidFill>
-                <a:latin typeface="TH SarabunPSK" panose="020B0500040200020003" pitchFamily="34" charset="-34"/>
-                <a:cs typeface="TH SarabunPSK" panose="020B0500040200020003" pitchFamily="34" charset="-34"/>
-              </a:rPr>
-            </a:br>
-            <a:r>
-              <a:rPr lang="th-TH" sz="2400" b="1" cap="none" dirty="0">
-                <a:solidFill>
-                  <a:srgbClr val="00B050"/>
-                </a:solidFill>
-                <a:latin typeface="TH SarabunPSK" panose="020B0500040200020003" pitchFamily="34" charset="-34"/>
-                <a:cs typeface="TH SarabunPSK" panose="020B0500040200020003" pitchFamily="34" charset="-34"/>
-              </a:rPr>
-              <a:t/>
-            </a:r>
-            <a:br>
-              <a:rPr lang="th-TH" sz="2400" b="1" cap="none" dirty="0">
-                <a:solidFill>
-                  <a:srgbClr val="00B050"/>
-                </a:solidFill>
-                <a:latin typeface="TH SarabunPSK" panose="020B0500040200020003" pitchFamily="34" charset="-34"/>
-                <a:cs typeface="TH SarabunPSK" panose="020B0500040200020003" pitchFamily="34" charset="-34"/>
-              </a:rPr>
-            </a:br>
-            <a:r>
-              <a:rPr lang="th-TH" sz="2400" b="1" cap="none" dirty="0" smtClean="0">
-                <a:solidFill>
-                  <a:srgbClr val="00B050"/>
-                </a:solidFill>
-                <a:latin typeface="TH SarabunPSK" panose="020B0500040200020003" pitchFamily="34" charset="-34"/>
-                <a:cs typeface="TH SarabunPSK" panose="020B0500040200020003" pitchFamily="34" charset="-34"/>
-              </a:rPr>
-              <a:t/>
-            </a:r>
-            <a:br>
-              <a:rPr lang="th-TH" sz="2400" b="1" cap="none" dirty="0" smtClean="0">
-                <a:solidFill>
-                  <a:srgbClr val="00B050"/>
-                </a:solidFill>
-                <a:latin typeface="TH SarabunPSK" panose="020B0500040200020003" pitchFamily="34" charset="-34"/>
-                <a:cs typeface="TH SarabunPSK" panose="020B0500040200020003" pitchFamily="34" charset="-34"/>
-              </a:rPr>
-            </a:br>
-            <a:r>
-              <a:rPr lang="th-TH" sz="2000" b="1" cap="none" dirty="0" smtClean="0">
-                <a:solidFill>
-                  <a:schemeClr val="tx1"/>
-                </a:solidFill>
-                <a:latin typeface="TH SarabunPSK" panose="020B0500040200020003" pitchFamily="34" charset="-34"/>
-                <a:cs typeface="TH SarabunPSK" panose="020B0500040200020003" pitchFamily="34" charset="-34"/>
-              </a:rPr>
-              <a:t>ขั้นตอน</a:t>
-            </a:r>
-            <a:r>
-              <a:rPr lang="th-TH" sz="2000" b="1" cap="none" dirty="0">
-                <a:solidFill>
-                  <a:schemeClr val="tx1"/>
-                </a:solidFill>
-                <a:latin typeface="TH SarabunPSK" panose="020B0500040200020003" pitchFamily="34" charset="-34"/>
-                <a:cs typeface="TH SarabunPSK" panose="020B0500040200020003" pitchFamily="34" charset="-34"/>
-              </a:rPr>
-              <a:t>ที่ </a:t>
-            </a:r>
-            <a:r>
-              <a:rPr lang="th-TH" sz="2000" b="1" cap="none" dirty="0" smtClean="0">
-                <a:solidFill>
-                  <a:schemeClr val="tx1"/>
-                </a:solidFill>
-                <a:latin typeface="TH SarabunPSK" panose="020B0500040200020003" pitchFamily="34" charset="-34"/>
-                <a:cs typeface="TH SarabunPSK" panose="020B0500040200020003" pitchFamily="34" charset="-34"/>
-              </a:rPr>
-              <a:t>5 </a:t>
-            </a:r>
-            <a:r>
-              <a:rPr lang="th-TH" sz="2000" b="1" cap="none" dirty="0">
-                <a:solidFill>
-                  <a:schemeClr val="tx1"/>
-                </a:solidFill>
-                <a:latin typeface="TH SarabunPSK" panose="020B0500040200020003" pitchFamily="34" charset="-34"/>
-                <a:cs typeface="TH SarabunPSK" panose="020B0500040200020003" pitchFamily="34" charset="-34"/>
-              </a:rPr>
-              <a:t>: </a:t>
-            </a:r>
-            <a:r>
-              <a:rPr lang="th-TH" sz="2000" cap="none" dirty="0" smtClean="0">
-                <a:solidFill>
-                  <a:schemeClr val="tx1"/>
-                </a:solidFill>
-                <a:latin typeface="TH SarabunPSK" panose="020B0500040200020003" pitchFamily="34" charset="-34"/>
-                <a:cs typeface="TH SarabunPSK" panose="020B0500040200020003" pitchFamily="34" charset="-34"/>
-              </a:rPr>
-              <a:t>เข้าไปที่ </a:t>
-            </a:r>
-            <a:r>
-              <a:rPr lang="en-US" sz="2000" b="1" cap="none" dirty="0" smtClean="0">
-                <a:latin typeface="TH SarabunPSK" panose="020B0500040200020003" pitchFamily="34" charset="-34"/>
-                <a:cs typeface="TH SarabunPSK" panose="020B0500040200020003" pitchFamily="34" charset="-34"/>
-              </a:rPr>
-              <a:t>Grid Console Page</a:t>
-            </a:r>
-            <a:r>
-              <a:rPr lang="en-US" sz="2000" cap="none" dirty="0" smtClean="0">
-                <a:latin typeface="TH SarabunPSK" panose="020B0500040200020003" pitchFamily="34" charset="-34"/>
-                <a:cs typeface="TH SarabunPSK" panose="020B0500040200020003" pitchFamily="34" charset="-34"/>
-              </a:rPr>
-              <a:t> </a:t>
-            </a:r>
-            <a:r>
-              <a:rPr lang="th-TH" sz="2000" cap="none" dirty="0" smtClean="0">
-                <a:latin typeface="TH SarabunPSK" panose="020B0500040200020003" pitchFamily="34" charset="-34"/>
-                <a:cs typeface="TH SarabunPSK" panose="020B0500040200020003" pitchFamily="34" charset="-34"/>
-              </a:rPr>
-              <a:t>ตาม </a:t>
-            </a:r>
-            <a:r>
-              <a:rPr lang="en-US" sz="2000" cap="none" dirty="0" smtClean="0">
-                <a:latin typeface="TH SarabunPSK" panose="020B0500040200020003" pitchFamily="34" charset="-34"/>
-                <a:cs typeface="TH SarabunPSK" panose="020B0500040200020003" pitchFamily="34" charset="-34"/>
-              </a:rPr>
-              <a:t>link</a:t>
-            </a:r>
-            <a:r>
-              <a:rPr lang="th-TH" sz="2000" cap="none" dirty="0" smtClean="0">
-                <a:latin typeface="TH SarabunPSK" panose="020B0500040200020003" pitchFamily="34" charset="-34"/>
-                <a:cs typeface="TH SarabunPSK" panose="020B0500040200020003" pitchFamily="34" charset="-34"/>
-              </a:rPr>
-              <a:t> นี้ครับ</a:t>
-            </a:r>
-            <a:r>
-              <a:rPr lang="th-TH" sz="2000" cap="none" dirty="0" smtClean="0">
-                <a:latin typeface="TH SarabunPSK" panose="020B0500040200020003" pitchFamily="34" charset="-34"/>
-                <a:cs typeface="TH SarabunPSK" panose="020B0500040200020003" pitchFamily="34" charset="-34"/>
-              </a:rPr>
-              <a:t> </a:t>
+                <a:latin typeface="TH SarabunPSK" panose="020B0500040200020003" pitchFamily="34" charset="-34"/>
+                <a:cs typeface="TH SarabunPSK" panose="020B0500040200020003" pitchFamily="34" charset="-34"/>
+              </a:rPr>
+              <a:t> นี้ครับ </a:t>
             </a:r>
             <a:r>
               <a:rPr lang="en-US" sz="2000" u="sng" cap="none" dirty="0" smtClean="0">
@@ -15856,14 +15781,7 @@
                 <a:latin typeface="TH SarabunPSK" panose="020B0500040200020003" pitchFamily="34" charset="-34"/>
                 <a:cs typeface="TH SarabunPSK" panose="020B0500040200020003" pitchFamily="34" charset="-34"/>
               </a:rPr>
-              <a:t>ขั้นตอน</a:t>
-            </a:r>
-            <a:r>
-              <a:rPr lang="th-TH" sz="2000" b="1" dirty="0" smtClean="0">
-                <a:latin typeface="TH SarabunPSK" panose="020B0500040200020003" pitchFamily="34" charset="-34"/>
-                <a:cs typeface="TH SarabunPSK" panose="020B0500040200020003" pitchFamily="34" charset="-34"/>
-              </a:rPr>
-              <a:t>ที่ 6 </a:t>
+              <a:t>ขั้นตอนที่ 6 </a:t>
             </a:r>
             <a:r>
               <a:rPr lang="en-US" sz="2000" b="1" dirty="0" smtClean="0">
@@ -16010,7 +15928,17 @@
                 <a:latin typeface="TH SarabunPSK" panose="020B0500040200020003" pitchFamily="34" charset="-34"/>
                 <a:cs typeface="TH SarabunPSK" panose="020B0500040200020003" pitchFamily="34" charset="-34"/>
               </a:rPr>
-              <a:t>สีแดง</a:t>
+              <a:t>สีแดงนี้จากตอน </a:t>
+            </a:r>
+            <a:r>
+              <a:rPr lang="en-US" sz="2000" cap="none" dirty="0" smtClean="0">
+                <a:solidFill>
+                  <a:srgbClr val="FF0000"/>
+                </a:solidFill>
+                <a:latin typeface="TH SarabunPSK" panose="020B0500040200020003" pitchFamily="34" charset="-34"/>
+                <a:cs typeface="TH SarabunPSK" panose="020B0500040200020003" pitchFamily="34" charset="-34"/>
+              </a:rPr>
+              <a:t>Register </a:t>
             </a:r>
             <a:r>
               <a:rPr lang="th-TH" sz="2000" cap="none" dirty="0" smtClean="0">
@@ -16020,7 +15948,7 @@
                 <a:latin typeface="TH SarabunPSK" panose="020B0500040200020003" pitchFamily="34" charset="-34"/>
                 <a:cs typeface="TH SarabunPSK" panose="020B0500040200020003" pitchFamily="34" charset="-34"/>
               </a:rPr>
-              <a:t>นี้จากตอน </a:t>
+              <a:t>จากที่เรา </a:t>
             </a:r>
             <a:r>
               <a:rPr lang="en-US" sz="2000" cap="none" dirty="0" smtClean="0">
@@ -16030,7 +15958,7 @@
                 <a:latin typeface="TH SarabunPSK" panose="020B0500040200020003" pitchFamily="34" charset="-34"/>
                 <a:cs typeface="TH SarabunPSK" panose="020B0500040200020003" pitchFamily="34" charset="-34"/>
               </a:rPr>
-              <a:t>Register </a:t>
+              <a:t>Start Hub </a:t>
             </a:r>
             <a:r>
               <a:rPr lang="th-TH" sz="2000" cap="none" dirty="0" smtClean="0">
@@ -16040,7 +15968,7 @@
                 <a:latin typeface="TH SarabunPSK" panose="020B0500040200020003" pitchFamily="34" charset="-34"/>
                 <a:cs typeface="TH SarabunPSK" panose="020B0500040200020003" pitchFamily="34" charset="-34"/>
               </a:rPr>
-              <a:t>จากที่เรา </a:t>
+              <a:t>ไปก่อนหน้านี้ สามารถ </a:t>
             </a:r>
             <a:r>
               <a:rPr lang="en-US" sz="2000" cap="none" dirty="0" smtClean="0">
@@ -16050,7 +15978,7 @@
                 <a:latin typeface="TH SarabunPSK" panose="020B0500040200020003" pitchFamily="34" charset="-34"/>
                 <a:cs typeface="TH SarabunPSK" panose="020B0500040200020003" pitchFamily="34" charset="-34"/>
               </a:rPr>
-              <a:t>Start Hub </a:t>
+              <a:t>Copy </a:t>
             </a:r>
             <a:r>
               <a:rPr lang="th-TH" sz="2000" cap="none" dirty="0" smtClean="0">
@@ -16060,8 +15988,55 @@
                 <a:latin typeface="TH SarabunPSK" panose="020B0500040200020003" pitchFamily="34" charset="-34"/>
                 <a:cs typeface="TH SarabunPSK" panose="020B0500040200020003" pitchFamily="34" charset="-34"/>
               </a:rPr>
-              <a:t>ไปก่อนหน้านี้ สามารถ </a:t>
-            </a:r>
+              <a:t>ได้จากขั้นตอนที่ 4</a:t>
+            </a:r>
+            <a:br>
+              <a:rPr lang="th-TH" sz="2000" cap="none" dirty="0" smtClean="0">
+                <a:solidFill>
+                  <a:srgbClr val="FF0000"/>
+                </a:solidFill>
+                <a:latin typeface="TH SarabunPSK" panose="020B0500040200020003" pitchFamily="34" charset="-34"/>
+                <a:cs typeface="TH SarabunPSK" panose="020B0500040200020003" pitchFamily="34" charset="-34"/>
+              </a:rPr>
+            </a:br>
+            <a:r>
+              <a:rPr lang="th-TH" sz="2000" cap="none" dirty="0">
+                <a:solidFill>
+                  <a:srgbClr val="FF0000"/>
+                </a:solidFill>
+                <a:latin typeface="TH SarabunPSK" panose="020B0500040200020003" pitchFamily="34" charset="-34"/>
+                <a:cs typeface="TH SarabunPSK" panose="020B0500040200020003" pitchFamily="34" charset="-34"/>
+              </a:rPr>
+              <a:t/>
+            </a:r>
+            <a:br>
+              <a:rPr lang="th-TH" sz="2000" cap="none" dirty="0">
+                <a:solidFill>
+                  <a:srgbClr val="FF0000"/>
+                </a:solidFill>
+                <a:latin typeface="TH SarabunPSK" panose="020B0500040200020003" pitchFamily="34" charset="-34"/>
+                <a:cs typeface="TH SarabunPSK" panose="020B0500040200020003" pitchFamily="34" charset="-34"/>
+              </a:rPr>
+            </a:br>
+            <a:r>
+              <a:rPr lang="en-US" sz="2000" cap="none" dirty="0">
+                <a:solidFill>
+                  <a:srgbClr val="FF0000"/>
+                </a:solidFill>
+                <a:latin typeface="TH SarabunPSK" panose="020B0500040200020003" pitchFamily="34" charset="-34"/>
+                <a:cs typeface="TH SarabunPSK" panose="020B0500040200020003" pitchFamily="34" charset="-34"/>
+              </a:rPr>
+              <a:t/>
+            </a:r>
+            <a:br>
+              <a:rPr lang="en-US" sz="2000" cap="none" dirty="0">
+                <a:solidFill>
+                  <a:srgbClr val="FF0000"/>
+                </a:solidFill>
+                <a:latin typeface="TH SarabunPSK" panose="020B0500040200020003" pitchFamily="34" charset="-34"/>
+                <a:cs typeface="TH SarabunPSK" panose="020B0500040200020003" pitchFamily="34" charset="-34"/>
+              </a:rPr>
+            </a:br>
             <a:r>
               <a:rPr lang="en-US" sz="2000" cap="none" dirty="0" smtClean="0">
                 <a:solidFill>
@@ -16070,229 +16045,142 @@
                 <a:latin typeface="TH SarabunPSK" panose="020B0500040200020003" pitchFamily="34" charset="-34"/>
                 <a:cs typeface="TH SarabunPSK" panose="020B0500040200020003" pitchFamily="34" charset="-34"/>
               </a:rPr>
-              <a:t>Copy </a:t>
-            </a:r>
+              <a:t/>
+            </a:r>
+            <a:br>
+              <a:rPr lang="en-US" sz="2000" cap="none" dirty="0" smtClean="0">
+                <a:solidFill>
+                  <a:srgbClr val="FF0000"/>
+                </a:solidFill>
+                <a:latin typeface="TH SarabunPSK" panose="020B0500040200020003" pitchFamily="34" charset="-34"/>
+                <a:cs typeface="TH SarabunPSK" panose="020B0500040200020003" pitchFamily="34" charset="-34"/>
+              </a:rPr>
+            </a:br>
+            <a:r>
+              <a:rPr lang="en-US" sz="2000" cap="none" dirty="0">
+                <a:solidFill>
+                  <a:srgbClr val="FF0000"/>
+                </a:solidFill>
+                <a:latin typeface="TH SarabunPSK" panose="020B0500040200020003" pitchFamily="34" charset="-34"/>
+                <a:cs typeface="TH SarabunPSK" panose="020B0500040200020003" pitchFamily="34" charset="-34"/>
+              </a:rPr>
+              <a:t/>
+            </a:r>
+            <a:br>
+              <a:rPr lang="en-US" sz="2000" cap="none" dirty="0">
+                <a:solidFill>
+                  <a:srgbClr val="FF0000"/>
+                </a:solidFill>
+                <a:latin typeface="TH SarabunPSK" panose="020B0500040200020003" pitchFamily="34" charset="-34"/>
+                <a:cs typeface="TH SarabunPSK" panose="020B0500040200020003" pitchFamily="34" charset="-34"/>
+              </a:rPr>
+            </a:br>
+            <a:r>
+              <a:rPr lang="en-US" sz="2000" cap="none" dirty="0" smtClean="0">
+                <a:solidFill>
+                  <a:srgbClr val="FF0000"/>
+                </a:solidFill>
+                <a:latin typeface="TH SarabunPSK" panose="020B0500040200020003" pitchFamily="34" charset="-34"/>
+                <a:cs typeface="TH SarabunPSK" panose="020B0500040200020003" pitchFamily="34" charset="-34"/>
+              </a:rPr>
+              <a:t/>
+            </a:r>
+            <a:br>
+              <a:rPr lang="en-US" sz="2000" cap="none" dirty="0" smtClean="0">
+                <a:solidFill>
+                  <a:srgbClr val="FF0000"/>
+                </a:solidFill>
+                <a:latin typeface="TH SarabunPSK" panose="020B0500040200020003" pitchFamily="34" charset="-34"/>
+                <a:cs typeface="TH SarabunPSK" panose="020B0500040200020003" pitchFamily="34" charset="-34"/>
+              </a:rPr>
+            </a:br>
+            <a:r>
+              <a:rPr lang="en-US" sz="2000" cap="none" dirty="0">
+                <a:solidFill>
+                  <a:srgbClr val="FF0000"/>
+                </a:solidFill>
+                <a:latin typeface="TH SarabunPSK" panose="020B0500040200020003" pitchFamily="34" charset="-34"/>
+                <a:cs typeface="TH SarabunPSK" panose="020B0500040200020003" pitchFamily="34" charset="-34"/>
+              </a:rPr>
+              <a:t/>
+            </a:r>
+            <a:br>
+              <a:rPr lang="en-US" sz="2000" cap="none" dirty="0">
+                <a:solidFill>
+                  <a:srgbClr val="FF0000"/>
+                </a:solidFill>
+                <a:latin typeface="TH SarabunPSK" panose="020B0500040200020003" pitchFamily="34" charset="-34"/>
+                <a:cs typeface="TH SarabunPSK" panose="020B0500040200020003" pitchFamily="34" charset="-34"/>
+              </a:rPr>
+            </a:br>
+            <a:r>
+              <a:rPr lang="en-US" sz="2000" cap="none" dirty="0" smtClean="0">
+                <a:solidFill>
+                  <a:schemeClr val="tx1"/>
+                </a:solidFill>
+                <a:latin typeface="TH SarabunPSK" panose="020B0500040200020003" pitchFamily="34" charset="-34"/>
+                <a:cs typeface="TH SarabunPSK" panose="020B0500040200020003" pitchFamily="34" charset="-34"/>
+              </a:rPr>
+              <a:t/>
+            </a:r>
+            <a:br>
+              <a:rPr lang="en-US" sz="2000" cap="none" dirty="0" smtClean="0">
+                <a:solidFill>
+                  <a:schemeClr val="tx1"/>
+                </a:solidFill>
+                <a:latin typeface="TH SarabunPSK" panose="020B0500040200020003" pitchFamily="34" charset="-34"/>
+                <a:cs typeface="TH SarabunPSK" panose="020B0500040200020003" pitchFamily="34" charset="-34"/>
+              </a:rPr>
+            </a:br>
             <a:r>
               <a:rPr lang="th-TH" sz="2000" cap="none" dirty="0" smtClean="0">
                 <a:solidFill>
-                  <a:srgbClr val="FF0000"/>
-                </a:solidFill>
-                <a:latin typeface="TH SarabunPSK" panose="020B0500040200020003" pitchFamily="34" charset="-34"/>
-                <a:cs typeface="TH SarabunPSK" panose="020B0500040200020003" pitchFamily="34" charset="-34"/>
-              </a:rPr>
-              <a:t>ได้จากขั้นตอนที่ 4</a:t>
-            </a:r>
-            <a:br>
+                  <a:schemeClr val="tx1"/>
+                </a:solidFill>
+                <a:latin typeface="TH SarabunPSK" panose="020B0500040200020003" pitchFamily="34" charset="-34"/>
+                <a:cs typeface="TH SarabunPSK" panose="020B0500040200020003" pitchFamily="34" charset="-34"/>
+              </a:rPr>
+              <a:t>       หลังจาก </a:t>
+            </a:r>
+            <a:r>
+              <a:rPr lang="en-US" sz="2000" cap="none" dirty="0" smtClean="0">
+                <a:solidFill>
+                  <a:schemeClr val="tx1"/>
+                </a:solidFill>
+                <a:latin typeface="TH SarabunPSK" panose="020B0500040200020003" pitchFamily="34" charset="-34"/>
+                <a:cs typeface="TH SarabunPSK" panose="020B0500040200020003" pitchFamily="34" charset="-34"/>
+              </a:rPr>
+              <a:t>Start Node </a:t>
+            </a:r>
+            <a:r>
               <a:rPr lang="th-TH" sz="2000" cap="none" dirty="0" smtClean="0">
                 <a:solidFill>
-                  <a:srgbClr val="FF0000"/>
-                </a:solidFill>
-                <a:latin typeface="TH SarabunPSK" panose="020B0500040200020003" pitchFamily="34" charset="-34"/>
-                <a:cs typeface="TH SarabunPSK" panose="020B0500040200020003" pitchFamily="34" charset="-34"/>
-              </a:rPr>
-            </a:br>
-            <a:r>
-              <a:rPr lang="th-TH" sz="2000" cap="none" dirty="0">
-                <a:solidFill>
-                  <a:srgbClr val="FF0000"/>
-                </a:solidFill>
-                <a:latin typeface="TH SarabunPSK" panose="020B0500040200020003" pitchFamily="34" charset="-34"/>
-                <a:cs typeface="TH SarabunPSK" panose="020B0500040200020003" pitchFamily="34" charset="-34"/>
-              </a:rPr>
-              <a:t/>
-            </a:r>
-            <a:br>
-              <a:rPr lang="th-TH" sz="2000" cap="none" dirty="0">
-                <a:solidFill>
-                  <a:srgbClr val="FF0000"/>
-                </a:solidFill>
-                <a:latin typeface="TH SarabunPSK" panose="020B0500040200020003" pitchFamily="34" charset="-34"/>
-                <a:cs typeface="TH SarabunPSK" panose="020B0500040200020003" pitchFamily="34" charset="-34"/>
-              </a:rPr>
-            </a:br>
-            <a:r>
-              <a:rPr lang="en-US" sz="2000" cap="none" dirty="0">
-                <a:solidFill>
-                  <a:srgbClr val="FF0000"/>
-                </a:solidFill>
-                <a:latin typeface="TH SarabunPSK" panose="020B0500040200020003" pitchFamily="34" charset="-34"/>
-                <a:cs typeface="TH SarabunPSK" panose="020B0500040200020003" pitchFamily="34" charset="-34"/>
-              </a:rPr>
-              <a:t/>
-            </a:r>
-            <a:br>
-              <a:rPr lang="en-US" sz="2000" cap="none" dirty="0">
-                <a:solidFill>
-                  <a:srgbClr val="FF0000"/>
-                </a:solidFill>
-                <a:latin typeface="TH SarabunPSK" panose="020B0500040200020003" pitchFamily="34" charset="-34"/>
-                <a:cs typeface="TH SarabunPSK" panose="020B0500040200020003" pitchFamily="34" charset="-34"/>
-              </a:rPr>
-            </a:br>
+                  <a:schemeClr val="tx1"/>
+                </a:solidFill>
+                <a:latin typeface="TH SarabunPSK" panose="020B0500040200020003" pitchFamily="34" charset="-34"/>
+                <a:cs typeface="TH SarabunPSK" panose="020B0500040200020003" pitchFamily="34" charset="-34"/>
+              </a:rPr>
+              <a:t>แล้วเข้าไป </a:t>
+            </a:r>
             <a:r>
               <a:rPr lang="en-US" sz="2000" cap="none" dirty="0" smtClean="0">
                 <a:solidFill>
-                  <a:srgbClr val="FF0000"/>
-                </a:solidFill>
-                <a:latin typeface="TH SarabunPSK" panose="020B0500040200020003" pitchFamily="34" charset="-34"/>
-                <a:cs typeface="TH SarabunPSK" panose="020B0500040200020003" pitchFamily="34" charset="-34"/>
-              </a:rPr>
-              <a:t/>
-            </a:r>
-            <a:br>
-              <a:rPr lang="en-US" sz="2000" cap="none" dirty="0" smtClean="0">
-                <a:solidFill>
-                  <a:srgbClr val="FF0000"/>
-                </a:solidFill>
-                <a:latin typeface="TH SarabunPSK" panose="020B0500040200020003" pitchFamily="34" charset="-34"/>
-                <a:cs typeface="TH SarabunPSK" panose="020B0500040200020003" pitchFamily="34" charset="-34"/>
-              </a:rPr>
-            </a:br>
-            <a:r>
-              <a:rPr lang="en-US" sz="2000" cap="none" dirty="0">
-                <a:solidFill>
-                  <a:srgbClr val="FF0000"/>
-                </a:solidFill>
-                <a:latin typeface="TH SarabunPSK" panose="020B0500040200020003" pitchFamily="34" charset="-34"/>
-                <a:cs typeface="TH SarabunPSK" panose="020B0500040200020003" pitchFamily="34" charset="-34"/>
-              </a:rPr>
-              <a:t/>
-            </a:r>
-            <a:br>
-              <a:rPr lang="en-US" sz="2000" cap="none" dirty="0">
-                <a:solidFill>
-                  <a:srgbClr val="FF0000"/>
-                </a:solidFill>
-                <a:latin typeface="TH SarabunPSK" panose="020B0500040200020003" pitchFamily="34" charset="-34"/>
-                <a:cs typeface="TH SarabunPSK" panose="020B0500040200020003" pitchFamily="34" charset="-34"/>
-              </a:rPr>
-            </a:br>
-            <a:r>
-              <a:rPr lang="en-US" sz="2000" cap="none" dirty="0" smtClean="0">
-                <a:solidFill>
-                  <a:srgbClr val="FF0000"/>
-                </a:solidFill>
-                <a:latin typeface="TH SarabunPSK" panose="020B0500040200020003" pitchFamily="34" charset="-34"/>
-                <a:cs typeface="TH SarabunPSK" panose="020B0500040200020003" pitchFamily="34" charset="-34"/>
-              </a:rPr>
-              <a:t/>
-            </a:r>
-            <a:br>
-              <a:rPr lang="en-US" sz="2000" cap="none" dirty="0" smtClean="0">
-                <a:solidFill>
-                  <a:srgbClr val="FF0000"/>
-                </a:solidFill>
-                <a:latin typeface="TH SarabunPSK" panose="020B0500040200020003" pitchFamily="34" charset="-34"/>
-                <a:cs typeface="TH SarabunPSK" panose="020B0500040200020003" pitchFamily="34" charset="-34"/>
-              </a:rPr>
-            </a:br>
-            <a:r>
-              <a:rPr lang="en-US" sz="2000" cap="none" dirty="0">
-                <a:solidFill>
-                  <a:srgbClr val="FF0000"/>
-                </a:solidFill>
-                <a:latin typeface="TH SarabunPSK" panose="020B0500040200020003" pitchFamily="34" charset="-34"/>
-                <a:cs typeface="TH SarabunPSK" panose="020B0500040200020003" pitchFamily="34" charset="-34"/>
-              </a:rPr>
-              <a:t/>
-            </a:r>
-            <a:br>
-              <a:rPr lang="en-US" sz="2000" cap="none" dirty="0">
-                <a:solidFill>
-                  <a:srgbClr val="FF0000"/>
-                </a:solidFill>
-                <a:latin typeface="TH SarabunPSK" panose="020B0500040200020003" pitchFamily="34" charset="-34"/>
-                <a:cs typeface="TH SarabunPSK" panose="020B0500040200020003" pitchFamily="34" charset="-34"/>
-              </a:rPr>
-            </a:br>
-            <a:r>
-              <a:rPr lang="en-US" sz="2000" cap="none" dirty="0" smtClean="0">
-                <a:solidFill>
                   <a:schemeClr val="tx1"/>
                 </a:solidFill>
                 <a:latin typeface="TH SarabunPSK" panose="020B0500040200020003" pitchFamily="34" charset="-34"/>
                 <a:cs typeface="TH SarabunPSK" panose="020B0500040200020003" pitchFamily="34" charset="-34"/>
               </a:rPr>
-              <a:t/>
-            </a:r>
-            <a:br>
-              <a:rPr lang="en-US" sz="2000" cap="none" dirty="0" smtClean="0">
+              <a:t>Refresh link </a:t>
+            </a:r>
+            <a:r>
+              <a:rPr lang="th-TH" sz="2000" cap="none" dirty="0" smtClean="0">
                 <a:solidFill>
                   <a:schemeClr val="tx1"/>
                 </a:solidFill>
                 <a:latin typeface="TH SarabunPSK" panose="020B0500040200020003" pitchFamily="34" charset="-34"/>
                 <a:cs typeface="TH SarabunPSK" panose="020B0500040200020003" pitchFamily="34" charset="-34"/>
               </a:rPr>
-            </a:br>
-            <a:r>
-              <a:rPr lang="th-TH" sz="2000" cap="none" dirty="0" smtClean="0">
-                <a:solidFill>
-                  <a:schemeClr val="tx1"/>
-                </a:solidFill>
-                <a:latin typeface="TH SarabunPSK" panose="020B0500040200020003" pitchFamily="34" charset="-34"/>
-                <a:cs typeface="TH SarabunPSK" panose="020B0500040200020003" pitchFamily="34" charset="-34"/>
-              </a:rPr>
-              <a:t>       หลังจาก </a:t>
-            </a:r>
-            <a:r>
-              <a:rPr lang="en-US" sz="2000" cap="none" dirty="0" smtClean="0">
-                <a:solidFill>
-                  <a:schemeClr val="tx1"/>
-                </a:solidFill>
-                <a:latin typeface="TH SarabunPSK" panose="020B0500040200020003" pitchFamily="34" charset="-34"/>
-                <a:cs typeface="TH SarabunPSK" panose="020B0500040200020003" pitchFamily="34" charset="-34"/>
-              </a:rPr>
-              <a:t>Start Node </a:t>
-            </a:r>
-            <a:r>
-              <a:rPr lang="th-TH" sz="2000" cap="none" dirty="0" smtClean="0">
-                <a:solidFill>
-                  <a:schemeClr val="tx1"/>
-                </a:solidFill>
-                <a:latin typeface="TH SarabunPSK" panose="020B0500040200020003" pitchFamily="34" charset="-34"/>
-                <a:cs typeface="TH SarabunPSK" panose="020B0500040200020003" pitchFamily="34" charset="-34"/>
-              </a:rPr>
-              <a:t>แล้วเข้าไป </a:t>
-            </a:r>
-            <a:r>
-              <a:rPr lang="en-US" sz="2000" cap="none" dirty="0" smtClean="0">
-                <a:solidFill>
-                  <a:schemeClr val="tx1"/>
-                </a:solidFill>
-                <a:latin typeface="TH SarabunPSK" panose="020B0500040200020003" pitchFamily="34" charset="-34"/>
-                <a:cs typeface="TH SarabunPSK" panose="020B0500040200020003" pitchFamily="34" charset="-34"/>
-              </a:rPr>
-              <a:t>Refresh </a:t>
-            </a:r>
-            <a:r>
-              <a:rPr lang="en-US" sz="2000" cap="none" dirty="0" smtClean="0">
-                <a:solidFill>
-                  <a:schemeClr val="tx1"/>
-                </a:solidFill>
-                <a:latin typeface="TH SarabunPSK" panose="020B0500040200020003" pitchFamily="34" charset="-34"/>
-                <a:cs typeface="TH SarabunPSK" panose="020B0500040200020003" pitchFamily="34" charset="-34"/>
-              </a:rPr>
-              <a:t>link </a:t>
-            </a:r>
-            <a:r>
-              <a:rPr lang="th-TH" sz="2000" cap="none" dirty="0" smtClean="0">
-                <a:solidFill>
-                  <a:schemeClr val="tx1"/>
-                </a:solidFill>
-                <a:latin typeface="TH SarabunPSK" panose="020B0500040200020003" pitchFamily="34" charset="-34"/>
-                <a:cs typeface="TH SarabunPSK" panose="020B0500040200020003" pitchFamily="34" charset="-34"/>
-              </a:rPr>
-              <a:t>นี้ดูอีกทีครับ</a:t>
-            </a:r>
-            <a:r>
-              <a:rPr lang="th-TH" sz="2000" cap="none" dirty="0" smtClean="0">
-                <a:solidFill>
-                  <a:schemeClr val="tx1"/>
-                </a:solidFill>
-                <a:latin typeface="TH SarabunPSK" panose="020B0500040200020003" pitchFamily="34" charset="-34"/>
-                <a:cs typeface="TH SarabunPSK" panose="020B0500040200020003" pitchFamily="34" charset="-34"/>
-              </a:rPr>
-              <a:t> </a:t>
+              <a:t>นี้ดูอีกทีครับ </a:t>
             </a:r>
             <a:r>
               <a:rPr lang="en-US" sz="2000" cap="none" dirty="0">
@@ -16616,485 +16504,454 @@
                 <a:latin typeface="TH SarabunPSK" panose="020B0500040200020003" pitchFamily="34" charset="-34"/>
                 <a:cs typeface="TH SarabunPSK" panose="020B0500040200020003" pitchFamily="34" charset="-34"/>
               </a:rPr>
-              <a:t>Robot </a:t>
+              <a:t>Robot Framework </a:t>
+            </a:r>
+            <a:r>
+              <a:rPr lang="th-TH" sz="2000" cap="none" dirty="0" smtClean="0">
+                <a:latin typeface="TH SarabunPSK" panose="020B0500040200020003" pitchFamily="34" charset="-34"/>
+                <a:cs typeface="TH SarabunPSK" panose="020B0500040200020003" pitchFamily="34" charset="-34"/>
+              </a:rPr>
+              <a:t>ด้วยการเขียนสคริปแล้ว </a:t>
+            </a:r>
+            <a:r>
+              <a:rPr lang="en-US" sz="2000" cap="none" dirty="0" err="1" smtClean="0">
+                <a:latin typeface="TH SarabunPSK" panose="020B0500040200020003" pitchFamily="34" charset="-34"/>
+                <a:cs typeface="TH SarabunPSK" panose="020B0500040200020003" pitchFamily="34" charset="-34"/>
+              </a:rPr>
+              <a:t>remote_url</a:t>
             </a:r>
             <a:r>
               <a:rPr lang="en-US" sz="2000" cap="none" dirty="0" smtClean="0">
                 <a:latin typeface="TH SarabunPSK" panose="020B0500040200020003" pitchFamily="34" charset="-34"/>
                 <a:cs typeface="TH SarabunPSK" panose="020B0500040200020003" pitchFamily="34" charset="-34"/>
               </a:rPr>
-              <a:t>Framework </a:t>
-            </a:r>
+              <a:t/>
+            </a:r>
+            <a:br>
+              <a:rPr lang="en-US" sz="2000" cap="none" dirty="0" smtClean="0">
+                <a:latin typeface="TH SarabunPSK" panose="020B0500040200020003" pitchFamily="34" charset="-34"/>
+                <a:cs typeface="TH SarabunPSK" panose="020B0500040200020003" pitchFamily="34" charset="-34"/>
+              </a:rPr>
+            </a:br>
             <a:r>
               <a:rPr lang="th-TH" sz="2000" cap="none" dirty="0" smtClean="0">
                 <a:latin typeface="TH SarabunPSK" panose="020B0500040200020003" pitchFamily="34" charset="-34"/>
                 <a:cs typeface="TH SarabunPSK" panose="020B0500040200020003" pitchFamily="34" charset="-34"/>
               </a:rPr>
-              <a:t>ด้วย</a:t>
+              <a:t>ไปที่</a:t>
+            </a:r>
+            <a:r>
+              <a:rPr lang="en-US" sz="2000" cap="none" dirty="0" smtClean="0">
+                <a:latin typeface="TH SarabunPSK" panose="020B0500040200020003" pitchFamily="34" charset="-34"/>
+                <a:cs typeface="TH SarabunPSK" panose="020B0500040200020003" pitchFamily="34" charset="-34"/>
+              </a:rPr>
+              <a:t> hub </a:t>
             </a:r>
             <a:r>
               <a:rPr lang="th-TH" sz="2000" cap="none" dirty="0" smtClean="0">
                 <a:latin typeface="TH SarabunPSK" panose="020B0500040200020003" pitchFamily="34" charset="-34"/>
                 <a:cs typeface="TH SarabunPSK" panose="020B0500040200020003" pitchFamily="34" charset="-34"/>
               </a:rPr>
-              <a:t>การเขียนสคริปแล้ว </a:t>
-            </a:r>
-            <a:r>
-              <a:rPr lang="en-US" sz="2000" cap="none" dirty="0" err="1" smtClean="0">
+              <a:t>ได้เลยจ้า</a:t>
+            </a:r>
+            <a:r>
+              <a:rPr lang="en-US" sz="2000" cap="none" dirty="0" smtClean="0">
+                <a:latin typeface="TH SarabunPSK" panose="020B0500040200020003" pitchFamily="34" charset="-34"/>
+                <a:cs typeface="TH SarabunPSK" panose="020B0500040200020003" pitchFamily="34" charset="-34"/>
+              </a:rPr>
+              <a:t/>
+            </a:r>
+            <a:br>
+              <a:rPr lang="en-US" sz="2000" cap="none" dirty="0" smtClean="0">
+                <a:latin typeface="TH SarabunPSK" panose="020B0500040200020003" pitchFamily="34" charset="-34"/>
+                <a:cs typeface="TH SarabunPSK" panose="020B0500040200020003" pitchFamily="34" charset="-34"/>
+              </a:rPr>
+            </a:br>
+            <a:r>
+              <a:rPr lang="en-US" sz="2000" b="1" cap="none" dirty="0" smtClean="0">
+                <a:solidFill>
+                  <a:srgbClr val="FF0000"/>
+                </a:solidFill>
+                <a:latin typeface="TH SarabunPSK" panose="020B0500040200020003" pitchFamily="34" charset="-34"/>
+                <a:cs typeface="TH SarabunPSK" panose="020B0500040200020003" pitchFamily="34" charset="-34"/>
+              </a:rPr>
+              <a:t>      **</a:t>
+            </a:r>
+            <a:r>
+              <a:rPr lang="en-US" sz="2000" b="1" cap="none" dirty="0" err="1" smtClean="0">
+                <a:solidFill>
+                  <a:srgbClr val="FF0000"/>
+                </a:solidFill>
+                <a:latin typeface="TH SarabunPSK" panose="020B0500040200020003" pitchFamily="34" charset="-34"/>
+                <a:cs typeface="TH SarabunPSK" panose="020B0500040200020003" pitchFamily="34" charset="-34"/>
+              </a:rPr>
+              <a:t>ip</a:t>
+            </a:r>
+            <a:r>
+              <a:rPr lang="en-US" sz="2000" b="1" cap="none" dirty="0" smtClean="0">
+                <a:solidFill>
+                  <a:srgbClr val="FF0000"/>
+                </a:solidFill>
+                <a:latin typeface="TH SarabunPSK" panose="020B0500040200020003" pitchFamily="34" charset="-34"/>
+                <a:cs typeface="TH SarabunPSK" panose="020B0500040200020003" pitchFamily="34" charset="-34"/>
+              </a:rPr>
+              <a:t> </a:t>
+            </a:r>
+            <a:r>
+              <a:rPr lang="th-TH" sz="2000" b="1" cap="none" dirty="0" smtClean="0">
+                <a:solidFill>
+                  <a:srgbClr val="FF0000"/>
+                </a:solidFill>
+                <a:latin typeface="TH SarabunPSK" panose="020B0500040200020003" pitchFamily="34" charset="-34"/>
+                <a:cs typeface="TH SarabunPSK" panose="020B0500040200020003" pitchFamily="34" charset="-34"/>
+              </a:rPr>
+              <a:t>ที่ </a:t>
+            </a:r>
+            <a:r>
+              <a:rPr lang="en-US" sz="2000" b="1" cap="none" dirty="0" err="1" smtClean="0">
+                <a:solidFill>
+                  <a:srgbClr val="FF0000"/>
+                </a:solidFill>
                 <a:latin typeface="TH SarabunPSK" panose="020B0500040200020003" pitchFamily="34" charset="-34"/>
                 <a:cs typeface="TH SarabunPSK" panose="020B0500040200020003" pitchFamily="34" charset="-34"/>
               </a:rPr>
               <a:t>remote_url</a:t>
             </a:r>
             <a:r>
+              <a:rPr lang="th-TH" sz="2000" b="1" cap="none" dirty="0" smtClean="0">
+                <a:solidFill>
+                  <a:srgbClr val="FF0000"/>
+                </a:solidFill>
+                <a:latin typeface="TH SarabunPSK" panose="020B0500040200020003" pitchFamily="34" charset="-34"/>
+                <a:cs typeface="TH SarabunPSK" panose="020B0500040200020003" pitchFamily="34" charset="-34"/>
+              </a:rPr>
+              <a:t> ไม่ต้องพิมพ์ตามผมนะครับ ให้ไป </a:t>
+            </a:r>
+            <a:r>
+              <a:rPr lang="en-US" sz="2000" b="1" cap="none" dirty="0" smtClean="0">
+                <a:solidFill>
+                  <a:srgbClr val="FF0000"/>
+                </a:solidFill>
+                <a:latin typeface="TH SarabunPSK" panose="020B0500040200020003" pitchFamily="34" charset="-34"/>
+                <a:cs typeface="TH SarabunPSK" panose="020B0500040200020003" pitchFamily="34" charset="-34"/>
+              </a:rPr>
+              <a:t>Copy </a:t>
+            </a:r>
+            <a:r>
+              <a:rPr lang="th-TH" sz="2000" b="1" cap="none" dirty="0" smtClean="0">
+                <a:solidFill>
+                  <a:srgbClr val="FF0000"/>
+                </a:solidFill>
+                <a:latin typeface="TH SarabunPSK" panose="020B0500040200020003" pitchFamily="34" charset="-34"/>
+                <a:cs typeface="TH SarabunPSK" panose="020B0500040200020003" pitchFamily="34" charset="-34"/>
+              </a:rPr>
+              <a:t>มาจากขั้นตอนที่ 4 ใน </a:t>
+            </a:r>
+            <a:r>
+              <a:rPr lang="en-US" sz="2000" b="1" cap="none" dirty="0" err="1" smtClean="0">
+                <a:solidFill>
+                  <a:srgbClr val="FF0000"/>
+                </a:solidFill>
+                <a:latin typeface="TH SarabunPSK" panose="020B0500040200020003" pitchFamily="34" charset="-34"/>
+                <a:cs typeface="TH SarabunPSK" panose="020B0500040200020003" pitchFamily="34" charset="-34"/>
+              </a:rPr>
+              <a:t>cmd</a:t>
+            </a:r>
+            <a:r>
+              <a:rPr lang="en-US" sz="2000" b="1" cap="none" dirty="0" smtClean="0">
+                <a:solidFill>
+                  <a:srgbClr val="FF0000"/>
+                </a:solidFill>
+                <a:latin typeface="TH SarabunPSK" panose="020B0500040200020003" pitchFamily="34" charset="-34"/>
+                <a:cs typeface="TH SarabunPSK" panose="020B0500040200020003" pitchFamily="34" charset="-34"/>
+              </a:rPr>
+              <a:t> </a:t>
+            </a:r>
+            <a:r>
+              <a:rPr lang="th-TH" sz="2000" b="1" cap="none" dirty="0" smtClean="0">
+                <a:solidFill>
+                  <a:srgbClr val="FF0000"/>
+                </a:solidFill>
+                <a:latin typeface="TH SarabunPSK" panose="020B0500040200020003" pitchFamily="34" charset="-34"/>
+                <a:cs typeface="TH SarabunPSK" panose="020B0500040200020003" pitchFamily="34" charset="-34"/>
+              </a:rPr>
+              <a:t>นะจ๊ะ</a:t>
+            </a:r>
+            <a:br>
+              <a:rPr lang="th-TH" sz="2000" b="1" cap="none" dirty="0" smtClean="0">
+                <a:solidFill>
+                  <a:srgbClr val="FF0000"/>
+                </a:solidFill>
+                <a:latin typeface="TH SarabunPSK" panose="020B0500040200020003" pitchFamily="34" charset="-34"/>
+                <a:cs typeface="TH SarabunPSK" panose="020B0500040200020003" pitchFamily="34" charset="-34"/>
+              </a:rPr>
+            </a:br>
+            <a:r>
+              <a:rPr lang="th-TH" sz="2000" b="1" cap="none" dirty="0">
+                <a:solidFill>
+                  <a:srgbClr val="FF0000"/>
+                </a:solidFill>
+                <a:latin typeface="TH SarabunPSK" panose="020B0500040200020003" pitchFamily="34" charset="-34"/>
+                <a:cs typeface="TH SarabunPSK" panose="020B0500040200020003" pitchFamily="34" charset="-34"/>
+              </a:rPr>
+              <a:t/>
+            </a:r>
+            <a:br>
+              <a:rPr lang="th-TH" sz="2000" b="1" cap="none" dirty="0">
+                <a:solidFill>
+                  <a:srgbClr val="FF0000"/>
+                </a:solidFill>
+                <a:latin typeface="TH SarabunPSK" panose="020B0500040200020003" pitchFamily="34" charset="-34"/>
+                <a:cs typeface="TH SarabunPSK" panose="020B0500040200020003" pitchFamily="34" charset="-34"/>
+              </a:rPr>
+            </a:br>
+            <a:r>
+              <a:rPr lang="th-TH" sz="2000" b="1" cap="none" dirty="0" smtClean="0">
+                <a:solidFill>
+                  <a:srgbClr val="FF0000"/>
+                </a:solidFill>
+                <a:latin typeface="TH SarabunPSK" panose="020B0500040200020003" pitchFamily="34" charset="-34"/>
+                <a:cs typeface="TH SarabunPSK" panose="020B0500040200020003" pitchFamily="34" charset="-34"/>
+              </a:rPr>
+              <a:t/>
+            </a:r>
+            <a:br>
+              <a:rPr lang="th-TH" sz="2000" b="1" cap="none" dirty="0" smtClean="0">
+                <a:solidFill>
+                  <a:srgbClr val="FF0000"/>
+                </a:solidFill>
+                <a:latin typeface="TH SarabunPSK" panose="020B0500040200020003" pitchFamily="34" charset="-34"/>
+                <a:cs typeface="TH SarabunPSK" panose="020B0500040200020003" pitchFamily="34" charset="-34"/>
+              </a:rPr>
+            </a:br>
+            <a:r>
+              <a:rPr lang="th-TH" sz="2000" b="1" cap="none" dirty="0">
+                <a:solidFill>
+                  <a:srgbClr val="FF0000"/>
+                </a:solidFill>
+                <a:latin typeface="TH SarabunPSK" panose="020B0500040200020003" pitchFamily="34" charset="-34"/>
+                <a:cs typeface="TH SarabunPSK" panose="020B0500040200020003" pitchFamily="34" charset="-34"/>
+              </a:rPr>
+              <a:t/>
+            </a:r>
+            <a:br>
+              <a:rPr lang="th-TH" sz="2000" b="1" cap="none" dirty="0">
+                <a:solidFill>
+                  <a:srgbClr val="FF0000"/>
+                </a:solidFill>
+                <a:latin typeface="TH SarabunPSK" panose="020B0500040200020003" pitchFamily="34" charset="-34"/>
+                <a:cs typeface="TH SarabunPSK" panose="020B0500040200020003" pitchFamily="34" charset="-34"/>
+              </a:rPr>
+            </a:br>
+            <a:r>
+              <a:rPr lang="th-TH" sz="2000" b="1" cap="none" dirty="0" smtClean="0">
+                <a:solidFill>
+                  <a:srgbClr val="FF0000"/>
+                </a:solidFill>
+                <a:latin typeface="TH SarabunPSK" panose="020B0500040200020003" pitchFamily="34" charset="-34"/>
+                <a:cs typeface="TH SarabunPSK" panose="020B0500040200020003" pitchFamily="34" charset="-34"/>
+              </a:rPr>
+              <a:t/>
+            </a:r>
+            <a:br>
+              <a:rPr lang="th-TH" sz="2000" b="1" cap="none" dirty="0" smtClean="0">
+                <a:solidFill>
+                  <a:srgbClr val="FF0000"/>
+                </a:solidFill>
+                <a:latin typeface="TH SarabunPSK" panose="020B0500040200020003" pitchFamily="34" charset="-34"/>
+                <a:cs typeface="TH SarabunPSK" panose="020B0500040200020003" pitchFamily="34" charset="-34"/>
+              </a:rPr>
+            </a:br>
+            <a:r>
+              <a:rPr lang="th-TH" sz="2000" b="1" cap="none" dirty="0">
+                <a:solidFill>
+                  <a:srgbClr val="FF0000"/>
+                </a:solidFill>
+                <a:latin typeface="TH SarabunPSK" panose="020B0500040200020003" pitchFamily="34" charset="-34"/>
+                <a:cs typeface="TH SarabunPSK" panose="020B0500040200020003" pitchFamily="34" charset="-34"/>
+              </a:rPr>
+              <a:t/>
+            </a:r>
+            <a:br>
+              <a:rPr lang="th-TH" sz="2000" b="1" cap="none" dirty="0">
+                <a:solidFill>
+                  <a:srgbClr val="FF0000"/>
+                </a:solidFill>
+                <a:latin typeface="TH SarabunPSK" panose="020B0500040200020003" pitchFamily="34" charset="-34"/>
+                <a:cs typeface="TH SarabunPSK" panose="020B0500040200020003" pitchFamily="34" charset="-34"/>
+              </a:rPr>
+            </a:br>
+            <a:r>
+              <a:rPr lang="th-TH" sz="2000" b="1" cap="none" dirty="0" smtClean="0">
+                <a:solidFill>
+                  <a:srgbClr val="FF0000"/>
+                </a:solidFill>
+                <a:latin typeface="TH SarabunPSK" panose="020B0500040200020003" pitchFamily="34" charset="-34"/>
+                <a:cs typeface="TH SarabunPSK" panose="020B0500040200020003" pitchFamily="34" charset="-34"/>
+              </a:rPr>
+              <a:t/>
+            </a:r>
+            <a:br>
+              <a:rPr lang="th-TH" sz="2000" b="1" cap="none" dirty="0" smtClean="0">
+                <a:solidFill>
+                  <a:srgbClr val="FF0000"/>
+                </a:solidFill>
+                <a:latin typeface="TH SarabunPSK" panose="020B0500040200020003" pitchFamily="34" charset="-34"/>
+                <a:cs typeface="TH SarabunPSK" panose="020B0500040200020003" pitchFamily="34" charset="-34"/>
+              </a:rPr>
+            </a:br>
+            <a:r>
+              <a:rPr lang="th-TH" sz="2000" b="1" cap="none" dirty="0">
+                <a:solidFill>
+                  <a:srgbClr val="FF0000"/>
+                </a:solidFill>
+                <a:latin typeface="TH SarabunPSK" panose="020B0500040200020003" pitchFamily="34" charset="-34"/>
+                <a:cs typeface="TH SarabunPSK" panose="020B0500040200020003" pitchFamily="34" charset="-34"/>
+              </a:rPr>
+              <a:t/>
+            </a:r>
+            <a:br>
+              <a:rPr lang="th-TH" sz="2000" b="1" cap="none" dirty="0">
+                <a:solidFill>
+                  <a:srgbClr val="FF0000"/>
+                </a:solidFill>
+                <a:latin typeface="TH SarabunPSK" panose="020B0500040200020003" pitchFamily="34" charset="-34"/>
+                <a:cs typeface="TH SarabunPSK" panose="020B0500040200020003" pitchFamily="34" charset="-34"/>
+              </a:rPr>
+            </a:br>
+            <a:r>
+              <a:rPr lang="th-TH" sz="2000" b="1" cap="none" dirty="0" smtClean="0">
+                <a:solidFill>
+                  <a:srgbClr val="FF0000"/>
+                </a:solidFill>
+                <a:latin typeface="TH SarabunPSK" panose="020B0500040200020003" pitchFamily="34" charset="-34"/>
+                <a:cs typeface="TH SarabunPSK" panose="020B0500040200020003" pitchFamily="34" charset="-34"/>
+              </a:rPr>
+              <a:t/>
+            </a:r>
+            <a:br>
+              <a:rPr lang="th-TH" sz="2000" b="1" cap="none" dirty="0" smtClean="0">
+                <a:solidFill>
+                  <a:srgbClr val="FF0000"/>
+                </a:solidFill>
+                <a:latin typeface="TH SarabunPSK" panose="020B0500040200020003" pitchFamily="34" charset="-34"/>
+                <a:cs typeface="TH SarabunPSK" panose="020B0500040200020003" pitchFamily="34" charset="-34"/>
+              </a:rPr>
+            </a:br>
+            <a:r>
+              <a:rPr lang="th-TH" sz="2000" b="1" cap="none" dirty="0">
+                <a:solidFill>
+                  <a:srgbClr val="FF0000"/>
+                </a:solidFill>
+                <a:latin typeface="TH SarabunPSK" panose="020B0500040200020003" pitchFamily="34" charset="-34"/>
+                <a:cs typeface="TH SarabunPSK" panose="020B0500040200020003" pitchFamily="34" charset="-34"/>
+              </a:rPr>
+              <a:t/>
+            </a:r>
+            <a:br>
+              <a:rPr lang="th-TH" sz="2000" b="1" cap="none" dirty="0">
+                <a:solidFill>
+                  <a:srgbClr val="FF0000"/>
+                </a:solidFill>
+                <a:latin typeface="TH SarabunPSK" panose="020B0500040200020003" pitchFamily="34" charset="-34"/>
+                <a:cs typeface="TH SarabunPSK" panose="020B0500040200020003" pitchFamily="34" charset="-34"/>
+              </a:rPr>
+            </a:br>
+            <a:r>
+              <a:rPr lang="th-TH" sz="2000" b="1" cap="none" dirty="0" smtClean="0">
+                <a:solidFill>
+                  <a:srgbClr val="FF0000"/>
+                </a:solidFill>
+                <a:latin typeface="TH SarabunPSK" panose="020B0500040200020003" pitchFamily="34" charset="-34"/>
+                <a:cs typeface="TH SarabunPSK" panose="020B0500040200020003" pitchFamily="34" charset="-34"/>
+              </a:rPr>
+              <a:t/>
+            </a:r>
+            <a:br>
+              <a:rPr lang="th-TH" sz="2000" b="1" cap="none" dirty="0" smtClean="0">
+                <a:solidFill>
+                  <a:srgbClr val="FF0000"/>
+                </a:solidFill>
+                <a:latin typeface="TH SarabunPSK" panose="020B0500040200020003" pitchFamily="34" charset="-34"/>
+                <a:cs typeface="TH SarabunPSK" panose="020B0500040200020003" pitchFamily="34" charset="-34"/>
+              </a:rPr>
+            </a:br>
+            <a:r>
+              <a:rPr lang="th-TH" sz="2000" b="1" cap="none" dirty="0">
+                <a:solidFill>
+                  <a:srgbClr val="FF0000"/>
+                </a:solidFill>
+                <a:latin typeface="TH SarabunPSK" panose="020B0500040200020003" pitchFamily="34" charset="-34"/>
+                <a:cs typeface="TH SarabunPSK" panose="020B0500040200020003" pitchFamily="34" charset="-34"/>
+              </a:rPr>
+              <a:t/>
+            </a:r>
+            <a:br>
+              <a:rPr lang="th-TH" sz="2000" b="1" cap="none" dirty="0">
+                <a:solidFill>
+                  <a:srgbClr val="FF0000"/>
+                </a:solidFill>
+                <a:latin typeface="TH SarabunPSK" panose="020B0500040200020003" pitchFamily="34" charset="-34"/>
+                <a:cs typeface="TH SarabunPSK" panose="020B0500040200020003" pitchFamily="34" charset="-34"/>
+              </a:rPr>
+            </a:br>
+            <a:r>
+              <a:rPr lang="th-TH" sz="2000" b="1" cap="none" dirty="0" smtClean="0">
+                <a:solidFill>
+                  <a:srgbClr val="FF0000"/>
+                </a:solidFill>
+                <a:latin typeface="TH SarabunPSK" panose="020B0500040200020003" pitchFamily="34" charset="-34"/>
+                <a:cs typeface="TH SarabunPSK" panose="020B0500040200020003" pitchFamily="34" charset="-34"/>
+              </a:rPr>
+              <a:t/>
+            </a:r>
+            <a:br>
+              <a:rPr lang="th-TH" sz="2000" b="1" cap="none" dirty="0" smtClean="0">
+                <a:solidFill>
+                  <a:srgbClr val="FF0000"/>
+                </a:solidFill>
+                <a:latin typeface="TH SarabunPSK" panose="020B0500040200020003" pitchFamily="34" charset="-34"/>
+                <a:cs typeface="TH SarabunPSK" panose="020B0500040200020003" pitchFamily="34" charset="-34"/>
+              </a:rPr>
+            </a:br>
+            <a:r>
+              <a:rPr lang="th-TH" sz="2000" b="1" cap="none" dirty="0" smtClean="0">
+                <a:solidFill>
+                  <a:srgbClr val="FF0000"/>
+                </a:solidFill>
+                <a:latin typeface="TH SarabunPSK" panose="020B0500040200020003" pitchFamily="34" charset="-34"/>
+                <a:cs typeface="TH SarabunPSK" panose="020B0500040200020003" pitchFamily="34" charset="-34"/>
+              </a:rPr>
+              <a:t/>
+            </a:r>
+            <a:br>
+              <a:rPr lang="th-TH" sz="2000" b="1" cap="none" dirty="0" smtClean="0">
+                <a:solidFill>
+                  <a:srgbClr val="FF0000"/>
+                </a:solidFill>
+                <a:latin typeface="TH SarabunPSK" panose="020B0500040200020003" pitchFamily="34" charset="-34"/>
+                <a:cs typeface="TH SarabunPSK" panose="020B0500040200020003" pitchFamily="34" charset="-34"/>
+              </a:rPr>
+            </a:br>
+            <a:r>
+              <a:rPr lang="th-TH" sz="2000" cap="none" dirty="0" smtClean="0">
+                <a:solidFill>
+                  <a:schemeClr val="tx1"/>
+                </a:solidFill>
+                <a:latin typeface="TH SarabunPSK" panose="020B0500040200020003" pitchFamily="34" charset="-34"/>
+                <a:cs typeface="TH SarabunPSK" panose="020B0500040200020003" pitchFamily="34" charset="-34"/>
+              </a:rPr>
+              <a:t>แล้วเราก็รันได้เลยจ้า ถ้าใช้ </a:t>
+            </a:r>
+            <a:r>
               <a:rPr lang="en-US" sz="2000" cap="none" dirty="0" smtClean="0">
-                <a:latin typeface="TH SarabunPSK" panose="020B0500040200020003" pitchFamily="34" charset="-34"/>
-                <a:cs typeface="TH SarabunPSK" panose="020B0500040200020003" pitchFamily="34" charset="-34"/>
-              </a:rPr>
-              <a:t/>
-            </a:r>
-            <a:br>
-              <a:rPr lang="en-US" sz="2000" cap="none" dirty="0" smtClean="0">
-                <a:latin typeface="TH SarabunPSK" panose="020B0500040200020003" pitchFamily="34" charset="-34"/>
-                <a:cs typeface="TH SarabunPSK" panose="020B0500040200020003" pitchFamily="34" charset="-34"/>
-              </a:rPr>
-            </a:br>
-            <a:r>
-              <a:rPr lang="th-TH" sz="2000" cap="none" dirty="0" smtClean="0">
-                <a:latin typeface="TH SarabunPSK" panose="020B0500040200020003" pitchFamily="34" charset="-34"/>
-                <a:cs typeface="TH SarabunPSK" panose="020B0500040200020003" pitchFamily="34" charset="-34"/>
-              </a:rPr>
-              <a:t>ไปที่</a:t>
-            </a:r>
-            <a:r>
-              <a:rPr lang="en-US" sz="2000" cap="none" dirty="0" smtClean="0">
-                <a:latin typeface="TH SarabunPSK" panose="020B0500040200020003" pitchFamily="34" charset="-34"/>
-                <a:cs typeface="TH SarabunPSK" panose="020B0500040200020003" pitchFamily="34" charset="-34"/>
-              </a:rPr>
-              <a:t> hub </a:t>
-            </a:r>
-            <a:r>
-              <a:rPr lang="th-TH" sz="2000" cap="none" dirty="0" smtClean="0">
-                <a:latin typeface="TH SarabunPSK" panose="020B0500040200020003" pitchFamily="34" charset="-34"/>
-                <a:cs typeface="TH SarabunPSK" panose="020B0500040200020003" pitchFamily="34" charset="-34"/>
-              </a:rPr>
-              <a:t>ได้</a:t>
-            </a:r>
-            <a:r>
-              <a:rPr lang="th-TH" sz="2000" cap="none" dirty="0" smtClean="0">
-                <a:latin typeface="TH SarabunPSK" panose="020B0500040200020003" pitchFamily="34" charset="-34"/>
-                <a:cs typeface="TH SarabunPSK" panose="020B0500040200020003" pitchFamily="34" charset="-34"/>
-              </a:rPr>
-              <a:t>เลยจ้า</a:t>
-            </a:r>
-            <a:r>
-              <a:rPr lang="en-US" sz="2000" cap="none" dirty="0" smtClean="0">
-                <a:latin typeface="TH SarabunPSK" panose="020B0500040200020003" pitchFamily="34" charset="-34"/>
-                <a:cs typeface="TH SarabunPSK" panose="020B0500040200020003" pitchFamily="34" charset="-34"/>
-              </a:rPr>
-              <a:t/>
-            </a:r>
-            <a:br>
-              <a:rPr lang="en-US" sz="2000" cap="none" dirty="0" smtClean="0">
-                <a:latin typeface="TH SarabunPSK" panose="020B0500040200020003" pitchFamily="34" charset="-34"/>
-                <a:cs typeface="TH SarabunPSK" panose="020B0500040200020003" pitchFamily="34" charset="-34"/>
-              </a:rPr>
-            </a:br>
-            <a:r>
-              <a:rPr lang="en-US" sz="2000" b="1" cap="none" dirty="0" smtClean="0">
-                <a:solidFill>
-                  <a:srgbClr val="FF0000"/>
-                </a:solidFill>
-                <a:latin typeface="TH SarabunPSK" panose="020B0500040200020003" pitchFamily="34" charset="-34"/>
-                <a:cs typeface="TH SarabunPSK" panose="020B0500040200020003" pitchFamily="34" charset="-34"/>
-              </a:rPr>
-              <a:t>      **</a:t>
-            </a:r>
-            <a:r>
-              <a:rPr lang="en-US" sz="2000" b="1" cap="none" dirty="0" err="1" smtClean="0">
-                <a:solidFill>
-                  <a:srgbClr val="FF0000"/>
-                </a:solidFill>
-                <a:latin typeface="TH SarabunPSK" panose="020B0500040200020003" pitchFamily="34" charset="-34"/>
-                <a:cs typeface="TH SarabunPSK" panose="020B0500040200020003" pitchFamily="34" charset="-34"/>
-              </a:rPr>
-              <a:t>ip</a:t>
-            </a:r>
-            <a:r>
-              <a:rPr lang="en-US" sz="2000" b="1" cap="none" dirty="0" smtClean="0">
-                <a:solidFill>
-                  <a:srgbClr val="FF0000"/>
-                </a:solidFill>
-                <a:latin typeface="TH SarabunPSK" panose="020B0500040200020003" pitchFamily="34" charset="-34"/>
-                <a:cs typeface="TH SarabunPSK" panose="020B0500040200020003" pitchFamily="34" charset="-34"/>
-              </a:rPr>
-              <a:t> </a:t>
-            </a:r>
-            <a:r>
-              <a:rPr lang="th-TH" sz="2000" b="1" cap="none" dirty="0" smtClean="0">
-                <a:solidFill>
-                  <a:srgbClr val="FF0000"/>
-                </a:solidFill>
-                <a:latin typeface="TH SarabunPSK" panose="020B0500040200020003" pitchFamily="34" charset="-34"/>
-                <a:cs typeface="TH SarabunPSK" panose="020B0500040200020003" pitchFamily="34" charset="-34"/>
-              </a:rPr>
-              <a:t>ที่ </a:t>
-            </a:r>
-            <a:r>
-              <a:rPr lang="en-US" sz="2000" b="1" cap="none" dirty="0" err="1" smtClean="0">
-                <a:solidFill>
-                  <a:srgbClr val="FF0000"/>
-                </a:solidFill>
-                <a:latin typeface="TH SarabunPSK" panose="020B0500040200020003" pitchFamily="34" charset="-34"/>
-                <a:cs typeface="TH SarabunPSK" panose="020B0500040200020003" pitchFamily="34" charset="-34"/>
-              </a:rPr>
-              <a:t>remote_url</a:t>
-            </a:r>
-            <a:r>
-              <a:rPr lang="th-TH" sz="2000" b="1" cap="none" dirty="0" smtClean="0">
-                <a:solidFill>
-                  <a:srgbClr val="FF0000"/>
-                </a:solidFill>
-                <a:latin typeface="TH SarabunPSK" panose="020B0500040200020003" pitchFamily="34" charset="-34"/>
-                <a:cs typeface="TH SarabunPSK" panose="020B0500040200020003" pitchFamily="34" charset="-34"/>
-              </a:rPr>
-              <a:t> ไม่ต้องพิมพ์ตามผมนะครับ ให้ไป </a:t>
-            </a:r>
-            <a:r>
-              <a:rPr lang="en-US" sz="2000" b="1" cap="none" dirty="0" smtClean="0">
-                <a:solidFill>
-                  <a:srgbClr val="FF0000"/>
-                </a:solidFill>
-                <a:latin typeface="TH SarabunPSK" panose="020B0500040200020003" pitchFamily="34" charset="-34"/>
-                <a:cs typeface="TH SarabunPSK" panose="020B0500040200020003" pitchFamily="34" charset="-34"/>
-              </a:rPr>
-              <a:t>Copy </a:t>
-            </a:r>
-            <a:r>
-              <a:rPr lang="th-TH" sz="2000" b="1" cap="none" dirty="0" smtClean="0">
-                <a:solidFill>
-                  <a:srgbClr val="FF0000"/>
-                </a:solidFill>
-                <a:latin typeface="TH SarabunPSK" panose="020B0500040200020003" pitchFamily="34" charset="-34"/>
-                <a:cs typeface="TH SarabunPSK" panose="020B0500040200020003" pitchFamily="34" charset="-34"/>
-              </a:rPr>
-              <a:t>มาจากขั้นตอนที่ 4 ใน </a:t>
-            </a:r>
-            <a:r>
-              <a:rPr lang="en-US" sz="2000" b="1" cap="none" dirty="0" err="1" smtClean="0">
-                <a:solidFill>
-                  <a:srgbClr val="FF0000"/>
-                </a:solidFill>
-                <a:latin typeface="TH SarabunPSK" panose="020B0500040200020003" pitchFamily="34" charset="-34"/>
-                <a:cs typeface="TH SarabunPSK" panose="020B0500040200020003" pitchFamily="34" charset="-34"/>
-              </a:rPr>
-              <a:t>cmd</a:t>
-            </a:r>
-            <a:r>
-              <a:rPr lang="en-US" sz="2000" b="1" cap="none" dirty="0" smtClean="0">
-                <a:solidFill>
-                  <a:srgbClr val="FF0000"/>
-                </a:solidFill>
-                <a:latin typeface="TH SarabunPSK" panose="020B0500040200020003" pitchFamily="34" charset="-34"/>
-                <a:cs typeface="TH SarabunPSK" panose="020B0500040200020003" pitchFamily="34" charset="-34"/>
-              </a:rPr>
-              <a:t> </a:t>
-            </a:r>
-            <a:r>
-              <a:rPr lang="th-TH" sz="2000" b="1" cap="none" dirty="0" smtClean="0">
-                <a:solidFill>
-                  <a:srgbClr val="FF0000"/>
-                </a:solidFill>
-                <a:latin typeface="TH SarabunPSK" panose="020B0500040200020003" pitchFamily="34" charset="-34"/>
-                <a:cs typeface="TH SarabunPSK" panose="020B0500040200020003" pitchFamily="34" charset="-34"/>
-              </a:rPr>
-              <a:t>นะจ๊ะ</a:t>
-            </a:r>
-            <a:br>
-              <a:rPr lang="th-TH" sz="2000" b="1" cap="none" dirty="0" smtClean="0">
-                <a:solidFill>
-                  <a:srgbClr val="FF0000"/>
-                </a:solidFill>
-                <a:latin typeface="TH SarabunPSK" panose="020B0500040200020003" pitchFamily="34" charset="-34"/>
-                <a:cs typeface="TH SarabunPSK" panose="020B0500040200020003" pitchFamily="34" charset="-34"/>
-              </a:rPr>
-            </a:br>
-            <a:r>
-              <a:rPr lang="th-TH" sz="2000" b="1" cap="none" dirty="0">
-                <a:solidFill>
-                  <a:srgbClr val="FF0000"/>
-                </a:solidFill>
-                <a:latin typeface="TH SarabunPSK" panose="020B0500040200020003" pitchFamily="34" charset="-34"/>
-                <a:cs typeface="TH SarabunPSK" panose="020B0500040200020003" pitchFamily="34" charset="-34"/>
-              </a:rPr>
-              <a:t/>
-            </a:r>
-            <a:br>
-              <a:rPr lang="th-TH" sz="2000" b="1" cap="none" dirty="0">
-                <a:solidFill>
-                  <a:srgbClr val="FF0000"/>
-                </a:solidFill>
-                <a:latin typeface="TH SarabunPSK" panose="020B0500040200020003" pitchFamily="34" charset="-34"/>
-                <a:cs typeface="TH SarabunPSK" panose="020B0500040200020003" pitchFamily="34" charset="-34"/>
-              </a:rPr>
-            </a:br>
-            <a:r>
-              <a:rPr lang="th-TH" sz="2000" b="1" cap="none" dirty="0" smtClean="0">
-                <a:solidFill>
-                  <a:srgbClr val="FF0000"/>
-                </a:solidFill>
-                <a:latin typeface="TH SarabunPSK" panose="020B0500040200020003" pitchFamily="34" charset="-34"/>
-                <a:cs typeface="TH SarabunPSK" panose="020B0500040200020003" pitchFamily="34" charset="-34"/>
-              </a:rPr>
-              <a:t/>
-            </a:r>
-            <a:br>
-              <a:rPr lang="th-TH" sz="2000" b="1" cap="none" dirty="0" smtClean="0">
-                <a:solidFill>
-                  <a:srgbClr val="FF0000"/>
-                </a:solidFill>
-                <a:latin typeface="TH SarabunPSK" panose="020B0500040200020003" pitchFamily="34" charset="-34"/>
-                <a:cs typeface="TH SarabunPSK" panose="020B0500040200020003" pitchFamily="34" charset="-34"/>
-              </a:rPr>
-            </a:br>
-            <a:r>
-              <a:rPr lang="th-TH" sz="2000" b="1" cap="none" dirty="0">
-                <a:solidFill>
-                  <a:srgbClr val="FF0000"/>
-                </a:solidFill>
-                <a:latin typeface="TH SarabunPSK" panose="020B0500040200020003" pitchFamily="34" charset="-34"/>
-                <a:cs typeface="TH SarabunPSK" panose="020B0500040200020003" pitchFamily="34" charset="-34"/>
-              </a:rPr>
-              <a:t/>
-            </a:r>
-            <a:br>
-              <a:rPr lang="th-TH" sz="2000" b="1" cap="none" dirty="0">
-                <a:solidFill>
-                  <a:srgbClr val="FF0000"/>
-                </a:solidFill>
-                <a:latin typeface="TH SarabunPSK" panose="020B0500040200020003" pitchFamily="34" charset="-34"/>
-                <a:cs typeface="TH SarabunPSK" panose="020B0500040200020003" pitchFamily="34" charset="-34"/>
-              </a:rPr>
-            </a:br>
-            <a:r>
-              <a:rPr lang="th-TH" sz="2000" b="1" cap="none" dirty="0" smtClean="0">
-                <a:solidFill>
-                  <a:srgbClr val="FF0000"/>
-                </a:solidFill>
-                <a:latin typeface="TH SarabunPSK" panose="020B0500040200020003" pitchFamily="34" charset="-34"/>
-                <a:cs typeface="TH SarabunPSK" panose="020B0500040200020003" pitchFamily="34" charset="-34"/>
-              </a:rPr>
-              <a:t/>
-            </a:r>
-            <a:br>
-              <a:rPr lang="th-TH" sz="2000" b="1" cap="none" dirty="0" smtClean="0">
-                <a:solidFill>
-                  <a:srgbClr val="FF0000"/>
-                </a:solidFill>
-                <a:latin typeface="TH SarabunPSK" panose="020B0500040200020003" pitchFamily="34" charset="-34"/>
-                <a:cs typeface="TH SarabunPSK" panose="020B0500040200020003" pitchFamily="34" charset="-34"/>
-              </a:rPr>
-            </a:br>
-            <a:r>
-              <a:rPr lang="th-TH" sz="2000" b="1" cap="none" dirty="0">
-                <a:solidFill>
-                  <a:srgbClr val="FF0000"/>
-                </a:solidFill>
-                <a:latin typeface="TH SarabunPSK" panose="020B0500040200020003" pitchFamily="34" charset="-34"/>
-                <a:cs typeface="TH SarabunPSK" panose="020B0500040200020003" pitchFamily="34" charset="-34"/>
-              </a:rPr>
-              <a:t/>
-            </a:r>
-            <a:br>
-              <a:rPr lang="th-TH" sz="2000" b="1" cap="none" dirty="0">
-                <a:solidFill>
-                  <a:srgbClr val="FF0000"/>
-                </a:solidFill>
-                <a:latin typeface="TH SarabunPSK" panose="020B0500040200020003" pitchFamily="34" charset="-34"/>
-                <a:cs typeface="TH SarabunPSK" panose="020B0500040200020003" pitchFamily="34" charset="-34"/>
-              </a:rPr>
-            </a:br>
-            <a:r>
-              <a:rPr lang="th-TH" sz="2000" b="1" cap="none" dirty="0" smtClean="0">
-                <a:solidFill>
-                  <a:srgbClr val="FF0000"/>
-                </a:solidFill>
-                <a:latin typeface="TH SarabunPSK" panose="020B0500040200020003" pitchFamily="34" charset="-34"/>
-                <a:cs typeface="TH SarabunPSK" panose="020B0500040200020003" pitchFamily="34" charset="-34"/>
-              </a:rPr>
-              <a:t/>
-            </a:r>
-            <a:br>
-              <a:rPr lang="th-TH" sz="2000" b="1" cap="none" dirty="0" smtClean="0">
-                <a:solidFill>
-                  <a:srgbClr val="FF0000"/>
-                </a:solidFill>
-                <a:latin typeface="TH SarabunPSK" panose="020B0500040200020003" pitchFamily="34" charset="-34"/>
-                <a:cs typeface="TH SarabunPSK" panose="020B0500040200020003" pitchFamily="34" charset="-34"/>
-              </a:rPr>
-            </a:br>
-            <a:r>
-              <a:rPr lang="th-TH" sz="2000" b="1" cap="none" dirty="0">
-                <a:solidFill>
-                  <a:srgbClr val="FF0000"/>
-                </a:solidFill>
-                <a:latin typeface="TH SarabunPSK" panose="020B0500040200020003" pitchFamily="34" charset="-34"/>
-                <a:cs typeface="TH SarabunPSK" panose="020B0500040200020003" pitchFamily="34" charset="-34"/>
-              </a:rPr>
-              <a:t/>
-            </a:r>
-            <a:br>
-              <a:rPr lang="th-TH" sz="2000" b="1" cap="none" dirty="0">
-                <a:solidFill>
-                  <a:srgbClr val="FF0000"/>
-                </a:solidFill>
-                <a:latin typeface="TH SarabunPSK" panose="020B0500040200020003" pitchFamily="34" charset="-34"/>
-                <a:cs typeface="TH SarabunPSK" panose="020B0500040200020003" pitchFamily="34" charset="-34"/>
-              </a:rPr>
-            </a:br>
-            <a:r>
-              <a:rPr lang="th-TH" sz="2000" b="1" cap="none" dirty="0" smtClean="0">
-                <a:solidFill>
-                  <a:srgbClr val="FF0000"/>
-                </a:solidFill>
-                <a:latin typeface="TH SarabunPSK" panose="020B0500040200020003" pitchFamily="34" charset="-34"/>
-                <a:cs typeface="TH SarabunPSK" panose="020B0500040200020003" pitchFamily="34" charset="-34"/>
-              </a:rPr>
-              <a:t/>
-            </a:r>
-            <a:br>
-              <a:rPr lang="th-TH" sz="2000" b="1" cap="none" dirty="0" smtClean="0">
-                <a:solidFill>
-                  <a:srgbClr val="FF0000"/>
-                </a:solidFill>
-                <a:latin typeface="TH SarabunPSK" panose="020B0500040200020003" pitchFamily="34" charset="-34"/>
-                <a:cs typeface="TH SarabunPSK" panose="020B0500040200020003" pitchFamily="34" charset="-34"/>
-              </a:rPr>
-            </a:br>
-            <a:r>
-              <a:rPr lang="th-TH" sz="2000" b="1" cap="none" dirty="0">
-                <a:solidFill>
-                  <a:srgbClr val="FF0000"/>
-                </a:solidFill>
-                <a:latin typeface="TH SarabunPSK" panose="020B0500040200020003" pitchFamily="34" charset="-34"/>
-                <a:cs typeface="TH SarabunPSK" panose="020B0500040200020003" pitchFamily="34" charset="-34"/>
-              </a:rPr>
-              <a:t/>
-            </a:r>
-            <a:br>
-              <a:rPr lang="th-TH" sz="2000" b="1" cap="none" dirty="0">
-                <a:solidFill>
-                  <a:srgbClr val="FF0000"/>
-                </a:solidFill>
-                <a:latin typeface="TH SarabunPSK" panose="020B0500040200020003" pitchFamily="34" charset="-34"/>
-                <a:cs typeface="TH SarabunPSK" panose="020B0500040200020003" pitchFamily="34" charset="-34"/>
-              </a:rPr>
-            </a:br>
-            <a:r>
-              <a:rPr lang="th-TH" sz="2000" b="1" cap="none" dirty="0" smtClean="0">
-                <a:solidFill>
-                  <a:srgbClr val="FF0000"/>
-                </a:solidFill>
-                <a:latin typeface="TH SarabunPSK" panose="020B0500040200020003" pitchFamily="34" charset="-34"/>
-                <a:cs typeface="TH SarabunPSK" panose="020B0500040200020003" pitchFamily="34" charset="-34"/>
-              </a:rPr>
-              <a:t/>
-            </a:r>
-            <a:br>
-              <a:rPr lang="th-TH" sz="2000" b="1" cap="none" dirty="0" smtClean="0">
-                <a:solidFill>
-                  <a:srgbClr val="FF0000"/>
-                </a:solidFill>
-                <a:latin typeface="TH SarabunPSK" panose="020B0500040200020003" pitchFamily="34" charset="-34"/>
-                <a:cs typeface="TH SarabunPSK" panose="020B0500040200020003" pitchFamily="34" charset="-34"/>
-              </a:rPr>
-            </a:br>
-            <a:r>
-              <a:rPr lang="th-TH" sz="2000" b="1" cap="none" dirty="0">
-                <a:solidFill>
-                  <a:srgbClr val="FF0000"/>
-                </a:solidFill>
-                <a:latin typeface="TH SarabunPSK" panose="020B0500040200020003" pitchFamily="34" charset="-34"/>
-                <a:cs typeface="TH SarabunPSK" panose="020B0500040200020003" pitchFamily="34" charset="-34"/>
-              </a:rPr>
-              <a:t/>
-            </a:r>
-            <a:br>
-              <a:rPr lang="th-TH" sz="2000" b="1" cap="none" dirty="0">
-                <a:solidFill>
-                  <a:srgbClr val="FF0000"/>
-                </a:solidFill>
-                <a:latin typeface="TH SarabunPSK" panose="020B0500040200020003" pitchFamily="34" charset="-34"/>
-                <a:cs typeface="TH SarabunPSK" panose="020B0500040200020003" pitchFamily="34" charset="-34"/>
-              </a:rPr>
-            </a:br>
-            <a:r>
-              <a:rPr lang="th-TH" sz="2000" b="1" cap="none" dirty="0" smtClean="0">
-                <a:solidFill>
-                  <a:srgbClr val="FF0000"/>
-                </a:solidFill>
-                <a:latin typeface="TH SarabunPSK" panose="020B0500040200020003" pitchFamily="34" charset="-34"/>
-                <a:cs typeface="TH SarabunPSK" panose="020B0500040200020003" pitchFamily="34" charset="-34"/>
-              </a:rPr>
-              <a:t/>
-            </a:r>
-            <a:br>
-              <a:rPr lang="th-TH" sz="2000" b="1" cap="none" dirty="0" smtClean="0">
-                <a:solidFill>
-                  <a:srgbClr val="FF0000"/>
-                </a:solidFill>
-                <a:latin typeface="TH SarabunPSK" panose="020B0500040200020003" pitchFamily="34" charset="-34"/>
-                <a:cs typeface="TH SarabunPSK" panose="020B0500040200020003" pitchFamily="34" charset="-34"/>
-              </a:rPr>
-            </a:br>
-            <a:r>
-              <a:rPr lang="th-TH" sz="2000" b="1" cap="none" dirty="0" smtClean="0">
-                <a:solidFill>
-                  <a:srgbClr val="FF0000"/>
-                </a:solidFill>
-                <a:latin typeface="TH SarabunPSK" panose="020B0500040200020003" pitchFamily="34" charset="-34"/>
-                <a:cs typeface="TH SarabunPSK" panose="020B0500040200020003" pitchFamily="34" charset="-34"/>
-              </a:rPr>
-              <a:t/>
-            </a:r>
-            <a:br>
-              <a:rPr lang="th-TH" sz="2000" b="1" cap="none" dirty="0" smtClean="0">
-                <a:solidFill>
-                  <a:srgbClr val="FF0000"/>
-                </a:solidFill>
-                <a:latin typeface="TH SarabunPSK" panose="020B0500040200020003" pitchFamily="34" charset="-34"/>
-                <a:cs typeface="TH SarabunPSK" panose="020B0500040200020003" pitchFamily="34" charset="-34"/>
-              </a:rPr>
-            </a:br>
-            <a:r>
-              <a:rPr lang="th-TH" sz="2000" cap="none" dirty="0" smtClean="0">
                 <a:solidFill>
                   <a:schemeClr val="tx1"/>
                 </a:solidFill>
                 <a:latin typeface="TH SarabunPSK" panose="020B0500040200020003" pitchFamily="34" charset="-34"/>
                 <a:cs typeface="TH SarabunPSK" panose="020B0500040200020003" pitchFamily="34" charset="-34"/>
               </a:rPr>
-              <a:t>แล้วเราก็รันได้เลยจ้า ถ้าใช้ </a:t>
-            </a:r>
-            <a:r>
-              <a:rPr lang="en-US" sz="2000" cap="none" dirty="0" smtClean="0">
-                <a:solidFill>
-                  <a:schemeClr val="tx1"/>
-                </a:solidFill>
-                <a:latin typeface="TH SarabunPSK" panose="020B0500040200020003" pitchFamily="34" charset="-34"/>
-                <a:cs typeface="TH SarabunPSK" panose="020B0500040200020003" pitchFamily="34" charset="-34"/>
-              </a:rPr>
-              <a:t>VS </a:t>
-            </a:r>
-            <a:r>
-              <a:rPr lang="en-US" sz="2000" cap="none" dirty="0" smtClean="0">
-                <a:solidFill>
-                  <a:schemeClr val="tx1"/>
-                </a:solidFill>
-                <a:latin typeface="TH SarabunPSK" panose="020B0500040200020003" pitchFamily="34" charset="-34"/>
-                <a:cs typeface="TH SarabunPSK" panose="020B0500040200020003" pitchFamily="34" charset="-34"/>
-              </a:rPr>
-              <a:t>Code(Visual Studio Code) </a:t>
+              <a:t>VS Code(Visual Studio Code) </a:t>
             </a:r>
             <a:r>
               <a:rPr lang="th-TH" sz="2000" cap="none" dirty="0" smtClean="0">
